--- a/Apresentação/Slide.pptx
+++ b/Apresentação/Slide.pptx
@@ -7,13 +7,14 @@
   <p:sldIdLst>
     <p:sldId id="256" r:id="rId2"/>
     <p:sldId id="257" r:id="rId3"/>
-    <p:sldId id="260" r:id="rId4"/>
-    <p:sldId id="262" r:id="rId5"/>
-    <p:sldId id="261" r:id="rId6"/>
-    <p:sldId id="259" r:id="rId7"/>
-    <p:sldId id="263" r:id="rId8"/>
-    <p:sldId id="264" r:id="rId9"/>
-    <p:sldId id="258" r:id="rId10"/>
+    <p:sldId id="262" r:id="rId4"/>
+    <p:sldId id="260" r:id="rId5"/>
+    <p:sldId id="265" r:id="rId6"/>
+    <p:sldId id="261" r:id="rId7"/>
+    <p:sldId id="259" r:id="rId8"/>
+    <p:sldId id="263" r:id="rId9"/>
+    <p:sldId id="264" r:id="rId10"/>
+    <p:sldId id="258" r:id="rId11"/>
   </p:sldIdLst>
   <p:sldSz cx="12192000" cy="6858000"/>
   <p:notesSz cx="6858000" cy="9144000"/>
@@ -141,7 +142,7 @@
           <p:cNvPr id="2" name="Título 1">
             <a:extLst>
               <a:ext uri="{FF2B5EF4-FFF2-40B4-BE49-F238E27FC236}">
-                <a16:creationId xmlns:a16="http://schemas.microsoft.com/office/drawing/2014/main" id="{A3559B3C-16EA-4979-8399-A6FE8961E26C}"/>
+                <a16:creationId xmlns:a16="http://schemas.microsoft.com/office/drawing/2014/main" xmlns="" id="{A3559B3C-16EA-4979-8399-A6FE8961E26C}"/>
               </a:ext>
             </a:extLst>
           </p:cNvPr>
@@ -178,7 +179,7 @@
           <p:cNvPr id="3" name="Subtítulo 2">
             <a:extLst>
               <a:ext uri="{FF2B5EF4-FFF2-40B4-BE49-F238E27FC236}">
-                <a16:creationId xmlns:a16="http://schemas.microsoft.com/office/drawing/2014/main" id="{3255137E-9A69-4D22-874B-7FCF982D458B}"/>
+                <a16:creationId xmlns:a16="http://schemas.microsoft.com/office/drawing/2014/main" xmlns="" id="{3255137E-9A69-4D22-874B-7FCF982D458B}"/>
               </a:ext>
             </a:extLst>
           </p:cNvPr>
@@ -248,7 +249,7 @@
           <p:cNvPr id="4" name="Espaço Reservado para Data 3">
             <a:extLst>
               <a:ext uri="{FF2B5EF4-FFF2-40B4-BE49-F238E27FC236}">
-                <a16:creationId xmlns:a16="http://schemas.microsoft.com/office/drawing/2014/main" id="{C173FF94-3355-458E-BFCF-51F94BC4FD2E}"/>
+                <a16:creationId xmlns:a16="http://schemas.microsoft.com/office/drawing/2014/main" xmlns="" id="{C173FF94-3355-458E-BFCF-51F94BC4FD2E}"/>
               </a:ext>
             </a:extLst>
           </p:cNvPr>
@@ -266,7 +267,7 @@
           <a:p>
             <a:fld id="{E10D5F73-A0B2-4F94-B081-A28629C95DB2}" type="datetimeFigureOut">
               <a:rPr lang="pt-BR" smtClean="0"/>
-              <a:t>18/09/2017</a:t>
+              <a:t>24/09/2017</a:t>
             </a:fld>
             <a:endParaRPr lang="pt-BR"/>
           </a:p>
@@ -277,7 +278,7 @@
           <p:cNvPr id="5" name="Espaço Reservado para Rodapé 4">
             <a:extLst>
               <a:ext uri="{FF2B5EF4-FFF2-40B4-BE49-F238E27FC236}">
-                <a16:creationId xmlns:a16="http://schemas.microsoft.com/office/drawing/2014/main" id="{051B0048-F7F6-4ED2-9444-627DBD9BA76F}"/>
+                <a16:creationId xmlns:a16="http://schemas.microsoft.com/office/drawing/2014/main" xmlns="" id="{051B0048-F7F6-4ED2-9444-627DBD9BA76F}"/>
               </a:ext>
             </a:extLst>
           </p:cNvPr>
@@ -302,7 +303,7 @@
           <p:cNvPr id="6" name="Espaço Reservado para Número de Slide 5">
             <a:extLst>
               <a:ext uri="{FF2B5EF4-FFF2-40B4-BE49-F238E27FC236}">
-                <a16:creationId xmlns:a16="http://schemas.microsoft.com/office/drawing/2014/main" id="{8756EA1A-8F4F-4929-BE53-B9927B1DF044}"/>
+                <a16:creationId xmlns:a16="http://schemas.microsoft.com/office/drawing/2014/main" xmlns="" id="{8756EA1A-8F4F-4929-BE53-B9927B1DF044}"/>
               </a:ext>
             </a:extLst>
           </p:cNvPr>
@@ -361,7 +362,7 @@
           <p:cNvPr id="2" name="Título 1">
             <a:extLst>
               <a:ext uri="{FF2B5EF4-FFF2-40B4-BE49-F238E27FC236}">
-                <a16:creationId xmlns:a16="http://schemas.microsoft.com/office/drawing/2014/main" id="{A32F21ED-C539-44AB-BB03-7ABDEFC7B072}"/>
+                <a16:creationId xmlns:a16="http://schemas.microsoft.com/office/drawing/2014/main" xmlns="" id="{A32F21ED-C539-44AB-BB03-7ABDEFC7B072}"/>
               </a:ext>
             </a:extLst>
           </p:cNvPr>
@@ -389,7 +390,7 @@
           <p:cNvPr id="3" name="Espaço Reservado para Texto Vertical 2">
             <a:extLst>
               <a:ext uri="{FF2B5EF4-FFF2-40B4-BE49-F238E27FC236}">
-                <a16:creationId xmlns:a16="http://schemas.microsoft.com/office/drawing/2014/main" id="{6051B58D-BF5F-4630-B665-EB19537D9D47}"/>
+                <a16:creationId xmlns:a16="http://schemas.microsoft.com/office/drawing/2014/main" xmlns="" id="{6051B58D-BF5F-4630-B665-EB19537D9D47}"/>
               </a:ext>
             </a:extLst>
           </p:cNvPr>
@@ -446,7 +447,7 @@
           <p:cNvPr id="4" name="Espaço Reservado para Data 3">
             <a:extLst>
               <a:ext uri="{FF2B5EF4-FFF2-40B4-BE49-F238E27FC236}">
-                <a16:creationId xmlns:a16="http://schemas.microsoft.com/office/drawing/2014/main" id="{341547D6-F393-4F8F-B96F-4C7B7BEB7D03}"/>
+                <a16:creationId xmlns:a16="http://schemas.microsoft.com/office/drawing/2014/main" xmlns="" id="{341547D6-F393-4F8F-B96F-4C7B7BEB7D03}"/>
               </a:ext>
             </a:extLst>
           </p:cNvPr>
@@ -464,7 +465,7 @@
           <a:p>
             <a:fld id="{E10D5F73-A0B2-4F94-B081-A28629C95DB2}" type="datetimeFigureOut">
               <a:rPr lang="pt-BR" smtClean="0"/>
-              <a:t>18/09/2017</a:t>
+              <a:t>24/09/2017</a:t>
             </a:fld>
             <a:endParaRPr lang="pt-BR"/>
           </a:p>
@@ -475,7 +476,7 @@
           <p:cNvPr id="5" name="Espaço Reservado para Rodapé 4">
             <a:extLst>
               <a:ext uri="{FF2B5EF4-FFF2-40B4-BE49-F238E27FC236}">
-                <a16:creationId xmlns:a16="http://schemas.microsoft.com/office/drawing/2014/main" id="{460C9EE4-B421-4FDA-890F-7080E3327903}"/>
+                <a16:creationId xmlns:a16="http://schemas.microsoft.com/office/drawing/2014/main" xmlns="" id="{460C9EE4-B421-4FDA-890F-7080E3327903}"/>
               </a:ext>
             </a:extLst>
           </p:cNvPr>
@@ -500,7 +501,7 @@
           <p:cNvPr id="6" name="Espaço Reservado para Número de Slide 5">
             <a:extLst>
               <a:ext uri="{FF2B5EF4-FFF2-40B4-BE49-F238E27FC236}">
-                <a16:creationId xmlns:a16="http://schemas.microsoft.com/office/drawing/2014/main" id="{E74C4D7E-195E-4038-8BBB-B938BAB8AA34}"/>
+                <a16:creationId xmlns:a16="http://schemas.microsoft.com/office/drawing/2014/main" xmlns="" id="{E74C4D7E-195E-4038-8BBB-B938BAB8AA34}"/>
               </a:ext>
             </a:extLst>
           </p:cNvPr>
@@ -559,7 +560,7 @@
           <p:cNvPr id="2" name="Título Vertical 1">
             <a:extLst>
               <a:ext uri="{FF2B5EF4-FFF2-40B4-BE49-F238E27FC236}">
-                <a16:creationId xmlns:a16="http://schemas.microsoft.com/office/drawing/2014/main" id="{A489C085-1EC9-4AD3-A36F-141667EA9C52}"/>
+                <a16:creationId xmlns:a16="http://schemas.microsoft.com/office/drawing/2014/main" xmlns="" id="{A489C085-1EC9-4AD3-A36F-141667EA9C52}"/>
               </a:ext>
             </a:extLst>
           </p:cNvPr>
@@ -592,7 +593,7 @@
           <p:cNvPr id="3" name="Espaço Reservado para Texto Vertical 2">
             <a:extLst>
               <a:ext uri="{FF2B5EF4-FFF2-40B4-BE49-F238E27FC236}">
-                <a16:creationId xmlns:a16="http://schemas.microsoft.com/office/drawing/2014/main" id="{65E6C28F-3362-4416-8283-4AEF3A2B5094}"/>
+                <a16:creationId xmlns:a16="http://schemas.microsoft.com/office/drawing/2014/main" xmlns="" id="{65E6C28F-3362-4416-8283-4AEF3A2B5094}"/>
               </a:ext>
             </a:extLst>
           </p:cNvPr>
@@ -654,7 +655,7 @@
           <p:cNvPr id="4" name="Espaço Reservado para Data 3">
             <a:extLst>
               <a:ext uri="{FF2B5EF4-FFF2-40B4-BE49-F238E27FC236}">
-                <a16:creationId xmlns:a16="http://schemas.microsoft.com/office/drawing/2014/main" id="{DAA6558C-FD04-4F38-9576-11886368F231}"/>
+                <a16:creationId xmlns:a16="http://schemas.microsoft.com/office/drawing/2014/main" xmlns="" id="{DAA6558C-FD04-4F38-9576-11886368F231}"/>
               </a:ext>
             </a:extLst>
           </p:cNvPr>
@@ -672,7 +673,7 @@
           <a:p>
             <a:fld id="{E10D5F73-A0B2-4F94-B081-A28629C95DB2}" type="datetimeFigureOut">
               <a:rPr lang="pt-BR" smtClean="0"/>
-              <a:t>18/09/2017</a:t>
+              <a:t>24/09/2017</a:t>
             </a:fld>
             <a:endParaRPr lang="pt-BR"/>
           </a:p>
@@ -683,7 +684,7 @@
           <p:cNvPr id="5" name="Espaço Reservado para Rodapé 4">
             <a:extLst>
               <a:ext uri="{FF2B5EF4-FFF2-40B4-BE49-F238E27FC236}">
-                <a16:creationId xmlns:a16="http://schemas.microsoft.com/office/drawing/2014/main" id="{1897EDFA-B0DC-4563-93DF-453757753CB5}"/>
+                <a16:creationId xmlns:a16="http://schemas.microsoft.com/office/drawing/2014/main" xmlns="" id="{1897EDFA-B0DC-4563-93DF-453757753CB5}"/>
               </a:ext>
             </a:extLst>
           </p:cNvPr>
@@ -708,7 +709,7 @@
           <p:cNvPr id="6" name="Espaço Reservado para Número de Slide 5">
             <a:extLst>
               <a:ext uri="{FF2B5EF4-FFF2-40B4-BE49-F238E27FC236}">
-                <a16:creationId xmlns:a16="http://schemas.microsoft.com/office/drawing/2014/main" id="{013D03A5-B28B-4E2A-B1A1-FD66E9840EFC}"/>
+                <a16:creationId xmlns:a16="http://schemas.microsoft.com/office/drawing/2014/main" xmlns="" id="{013D03A5-B28B-4E2A-B1A1-FD66E9840EFC}"/>
               </a:ext>
             </a:extLst>
           </p:cNvPr>
@@ -767,7 +768,7 @@
           <p:cNvPr id="2" name="Título 1">
             <a:extLst>
               <a:ext uri="{FF2B5EF4-FFF2-40B4-BE49-F238E27FC236}">
-                <a16:creationId xmlns:a16="http://schemas.microsoft.com/office/drawing/2014/main" id="{02C531C5-37CC-437B-8BDD-76523E64A3DC}"/>
+                <a16:creationId xmlns:a16="http://schemas.microsoft.com/office/drawing/2014/main" xmlns="" id="{02C531C5-37CC-437B-8BDD-76523E64A3DC}"/>
               </a:ext>
             </a:extLst>
           </p:cNvPr>
@@ -795,7 +796,7 @@
           <p:cNvPr id="3" name="Espaço Reservado para Conteúdo 2">
             <a:extLst>
               <a:ext uri="{FF2B5EF4-FFF2-40B4-BE49-F238E27FC236}">
-                <a16:creationId xmlns:a16="http://schemas.microsoft.com/office/drawing/2014/main" id="{FB44C7B0-BBB7-4B67-869C-593954658BA9}"/>
+                <a16:creationId xmlns:a16="http://schemas.microsoft.com/office/drawing/2014/main" xmlns="" id="{FB44C7B0-BBB7-4B67-869C-593954658BA9}"/>
               </a:ext>
             </a:extLst>
           </p:cNvPr>
@@ -852,7 +853,7 @@
           <p:cNvPr id="4" name="Espaço Reservado para Data 3">
             <a:extLst>
               <a:ext uri="{FF2B5EF4-FFF2-40B4-BE49-F238E27FC236}">
-                <a16:creationId xmlns:a16="http://schemas.microsoft.com/office/drawing/2014/main" id="{8C922321-826C-43D5-8C8C-2590D0477D93}"/>
+                <a16:creationId xmlns:a16="http://schemas.microsoft.com/office/drawing/2014/main" xmlns="" id="{8C922321-826C-43D5-8C8C-2590D0477D93}"/>
               </a:ext>
             </a:extLst>
           </p:cNvPr>
@@ -870,7 +871,7 @@
           <a:p>
             <a:fld id="{E10D5F73-A0B2-4F94-B081-A28629C95DB2}" type="datetimeFigureOut">
               <a:rPr lang="pt-BR" smtClean="0"/>
-              <a:t>18/09/2017</a:t>
+              <a:t>24/09/2017</a:t>
             </a:fld>
             <a:endParaRPr lang="pt-BR"/>
           </a:p>
@@ -881,7 +882,7 @@
           <p:cNvPr id="5" name="Espaço Reservado para Rodapé 4">
             <a:extLst>
               <a:ext uri="{FF2B5EF4-FFF2-40B4-BE49-F238E27FC236}">
-                <a16:creationId xmlns:a16="http://schemas.microsoft.com/office/drawing/2014/main" id="{CB59E392-560F-4F28-8ACE-39414B5F5DE9}"/>
+                <a16:creationId xmlns:a16="http://schemas.microsoft.com/office/drawing/2014/main" xmlns="" id="{CB59E392-560F-4F28-8ACE-39414B5F5DE9}"/>
               </a:ext>
             </a:extLst>
           </p:cNvPr>
@@ -906,7 +907,7 @@
           <p:cNvPr id="6" name="Espaço Reservado para Número de Slide 5">
             <a:extLst>
               <a:ext uri="{FF2B5EF4-FFF2-40B4-BE49-F238E27FC236}">
-                <a16:creationId xmlns:a16="http://schemas.microsoft.com/office/drawing/2014/main" id="{54F5C599-681D-47F6-9A8A-4CAB5C7AA09C}"/>
+                <a16:creationId xmlns:a16="http://schemas.microsoft.com/office/drawing/2014/main" xmlns="" id="{54F5C599-681D-47F6-9A8A-4CAB5C7AA09C}"/>
               </a:ext>
             </a:extLst>
           </p:cNvPr>
@@ -965,7 +966,7 @@
           <p:cNvPr id="2" name="Título 1">
             <a:extLst>
               <a:ext uri="{FF2B5EF4-FFF2-40B4-BE49-F238E27FC236}">
-                <a16:creationId xmlns:a16="http://schemas.microsoft.com/office/drawing/2014/main" id="{2114889B-76A4-4420-AFBD-9953B089CBB5}"/>
+                <a16:creationId xmlns:a16="http://schemas.microsoft.com/office/drawing/2014/main" xmlns="" id="{2114889B-76A4-4420-AFBD-9953B089CBB5}"/>
               </a:ext>
             </a:extLst>
           </p:cNvPr>
@@ -1002,7 +1003,7 @@
           <p:cNvPr id="3" name="Espaço Reservado para Texto 2">
             <a:extLst>
               <a:ext uri="{FF2B5EF4-FFF2-40B4-BE49-F238E27FC236}">
-                <a16:creationId xmlns:a16="http://schemas.microsoft.com/office/drawing/2014/main" id="{9662C339-4734-4E3E-9D02-0A19005BDDD3}"/>
+                <a16:creationId xmlns:a16="http://schemas.microsoft.com/office/drawing/2014/main" xmlns="" id="{9662C339-4734-4E3E-9D02-0A19005BDDD3}"/>
               </a:ext>
             </a:extLst>
           </p:cNvPr>
@@ -1127,7 +1128,7 @@
           <p:cNvPr id="4" name="Espaço Reservado para Data 3">
             <a:extLst>
               <a:ext uri="{FF2B5EF4-FFF2-40B4-BE49-F238E27FC236}">
-                <a16:creationId xmlns:a16="http://schemas.microsoft.com/office/drawing/2014/main" id="{2DA87018-483E-49B0-81B5-64A7E738E811}"/>
+                <a16:creationId xmlns:a16="http://schemas.microsoft.com/office/drawing/2014/main" xmlns="" id="{2DA87018-483E-49B0-81B5-64A7E738E811}"/>
               </a:ext>
             </a:extLst>
           </p:cNvPr>
@@ -1145,7 +1146,7 @@
           <a:p>
             <a:fld id="{E10D5F73-A0B2-4F94-B081-A28629C95DB2}" type="datetimeFigureOut">
               <a:rPr lang="pt-BR" smtClean="0"/>
-              <a:t>18/09/2017</a:t>
+              <a:t>24/09/2017</a:t>
             </a:fld>
             <a:endParaRPr lang="pt-BR"/>
           </a:p>
@@ -1156,7 +1157,7 @@
           <p:cNvPr id="5" name="Espaço Reservado para Rodapé 4">
             <a:extLst>
               <a:ext uri="{FF2B5EF4-FFF2-40B4-BE49-F238E27FC236}">
-                <a16:creationId xmlns:a16="http://schemas.microsoft.com/office/drawing/2014/main" id="{96710F82-572A-4C22-B9F5-2E2619DCE120}"/>
+                <a16:creationId xmlns:a16="http://schemas.microsoft.com/office/drawing/2014/main" xmlns="" id="{96710F82-572A-4C22-B9F5-2E2619DCE120}"/>
               </a:ext>
             </a:extLst>
           </p:cNvPr>
@@ -1181,7 +1182,7 @@
           <p:cNvPr id="6" name="Espaço Reservado para Número de Slide 5">
             <a:extLst>
               <a:ext uri="{FF2B5EF4-FFF2-40B4-BE49-F238E27FC236}">
-                <a16:creationId xmlns:a16="http://schemas.microsoft.com/office/drawing/2014/main" id="{5E0F65E3-C093-4F90-A707-A3802B2ECE22}"/>
+                <a16:creationId xmlns:a16="http://schemas.microsoft.com/office/drawing/2014/main" xmlns="" id="{5E0F65E3-C093-4F90-A707-A3802B2ECE22}"/>
               </a:ext>
             </a:extLst>
           </p:cNvPr>
@@ -1240,7 +1241,7 @@
           <p:cNvPr id="2" name="Título 1">
             <a:extLst>
               <a:ext uri="{FF2B5EF4-FFF2-40B4-BE49-F238E27FC236}">
-                <a16:creationId xmlns:a16="http://schemas.microsoft.com/office/drawing/2014/main" id="{0DC40E22-83E6-48AA-9432-D48870F633A2}"/>
+                <a16:creationId xmlns:a16="http://schemas.microsoft.com/office/drawing/2014/main" xmlns="" id="{0DC40E22-83E6-48AA-9432-D48870F633A2}"/>
               </a:ext>
             </a:extLst>
           </p:cNvPr>
@@ -1268,7 +1269,7 @@
           <p:cNvPr id="3" name="Espaço Reservado para Conteúdo 2">
             <a:extLst>
               <a:ext uri="{FF2B5EF4-FFF2-40B4-BE49-F238E27FC236}">
-                <a16:creationId xmlns:a16="http://schemas.microsoft.com/office/drawing/2014/main" id="{650870E8-BADD-4370-A4F2-80DF469AE77B}"/>
+                <a16:creationId xmlns:a16="http://schemas.microsoft.com/office/drawing/2014/main" xmlns="" id="{650870E8-BADD-4370-A4F2-80DF469AE77B}"/>
               </a:ext>
             </a:extLst>
           </p:cNvPr>
@@ -1330,7 +1331,7 @@
           <p:cNvPr id="4" name="Espaço Reservado para Conteúdo 3">
             <a:extLst>
               <a:ext uri="{FF2B5EF4-FFF2-40B4-BE49-F238E27FC236}">
-                <a16:creationId xmlns:a16="http://schemas.microsoft.com/office/drawing/2014/main" id="{8D0E830E-8042-43F6-8DF5-B442AB77D223}"/>
+                <a16:creationId xmlns:a16="http://schemas.microsoft.com/office/drawing/2014/main" xmlns="" id="{8D0E830E-8042-43F6-8DF5-B442AB77D223}"/>
               </a:ext>
             </a:extLst>
           </p:cNvPr>
@@ -1392,7 +1393,7 @@
           <p:cNvPr id="5" name="Espaço Reservado para Data 4">
             <a:extLst>
               <a:ext uri="{FF2B5EF4-FFF2-40B4-BE49-F238E27FC236}">
-                <a16:creationId xmlns:a16="http://schemas.microsoft.com/office/drawing/2014/main" id="{28227E1E-AEE0-4C26-B629-50BBAD66D502}"/>
+                <a16:creationId xmlns:a16="http://schemas.microsoft.com/office/drawing/2014/main" xmlns="" id="{28227E1E-AEE0-4C26-B629-50BBAD66D502}"/>
               </a:ext>
             </a:extLst>
           </p:cNvPr>
@@ -1410,7 +1411,7 @@
           <a:p>
             <a:fld id="{E10D5F73-A0B2-4F94-B081-A28629C95DB2}" type="datetimeFigureOut">
               <a:rPr lang="pt-BR" smtClean="0"/>
-              <a:t>18/09/2017</a:t>
+              <a:t>24/09/2017</a:t>
             </a:fld>
             <a:endParaRPr lang="pt-BR"/>
           </a:p>
@@ -1421,7 +1422,7 @@
           <p:cNvPr id="6" name="Espaço Reservado para Rodapé 5">
             <a:extLst>
               <a:ext uri="{FF2B5EF4-FFF2-40B4-BE49-F238E27FC236}">
-                <a16:creationId xmlns:a16="http://schemas.microsoft.com/office/drawing/2014/main" id="{DD864EFB-3F41-404E-8433-1C52E2B65DB6}"/>
+                <a16:creationId xmlns:a16="http://schemas.microsoft.com/office/drawing/2014/main" xmlns="" id="{DD864EFB-3F41-404E-8433-1C52E2B65DB6}"/>
               </a:ext>
             </a:extLst>
           </p:cNvPr>
@@ -1446,7 +1447,7 @@
           <p:cNvPr id="7" name="Espaço Reservado para Número de Slide 6">
             <a:extLst>
               <a:ext uri="{FF2B5EF4-FFF2-40B4-BE49-F238E27FC236}">
-                <a16:creationId xmlns:a16="http://schemas.microsoft.com/office/drawing/2014/main" id="{75FABCEE-348B-4B69-9083-336260278E84}"/>
+                <a16:creationId xmlns:a16="http://schemas.microsoft.com/office/drawing/2014/main" xmlns="" id="{75FABCEE-348B-4B69-9083-336260278E84}"/>
               </a:ext>
             </a:extLst>
           </p:cNvPr>
@@ -1505,7 +1506,7 @@
           <p:cNvPr id="2" name="Título 1">
             <a:extLst>
               <a:ext uri="{FF2B5EF4-FFF2-40B4-BE49-F238E27FC236}">
-                <a16:creationId xmlns:a16="http://schemas.microsoft.com/office/drawing/2014/main" id="{EBE90D88-4829-49C5-8D47-4933736447A3}"/>
+                <a16:creationId xmlns:a16="http://schemas.microsoft.com/office/drawing/2014/main" xmlns="" id="{EBE90D88-4829-49C5-8D47-4933736447A3}"/>
               </a:ext>
             </a:extLst>
           </p:cNvPr>
@@ -1538,7 +1539,7 @@
           <p:cNvPr id="3" name="Espaço Reservado para Texto 2">
             <a:extLst>
               <a:ext uri="{FF2B5EF4-FFF2-40B4-BE49-F238E27FC236}">
-                <a16:creationId xmlns:a16="http://schemas.microsoft.com/office/drawing/2014/main" id="{7D78E2D4-5F89-41DF-83B2-5C7EB814B656}"/>
+                <a16:creationId xmlns:a16="http://schemas.microsoft.com/office/drawing/2014/main" xmlns="" id="{7D78E2D4-5F89-41DF-83B2-5C7EB814B656}"/>
               </a:ext>
             </a:extLst>
           </p:cNvPr>
@@ -1609,7 +1610,7 @@
           <p:cNvPr id="4" name="Espaço Reservado para Conteúdo 3">
             <a:extLst>
               <a:ext uri="{FF2B5EF4-FFF2-40B4-BE49-F238E27FC236}">
-                <a16:creationId xmlns:a16="http://schemas.microsoft.com/office/drawing/2014/main" id="{620FC190-F7A2-431D-AD24-4181F5A1B587}"/>
+                <a16:creationId xmlns:a16="http://schemas.microsoft.com/office/drawing/2014/main" xmlns="" id="{620FC190-F7A2-431D-AD24-4181F5A1B587}"/>
               </a:ext>
             </a:extLst>
           </p:cNvPr>
@@ -1671,7 +1672,7 @@
           <p:cNvPr id="5" name="Espaço Reservado para Texto 4">
             <a:extLst>
               <a:ext uri="{FF2B5EF4-FFF2-40B4-BE49-F238E27FC236}">
-                <a16:creationId xmlns:a16="http://schemas.microsoft.com/office/drawing/2014/main" id="{834C303E-B8A6-42B7-A0C5-EDE0A1C09C5B}"/>
+                <a16:creationId xmlns:a16="http://schemas.microsoft.com/office/drawing/2014/main" xmlns="" id="{834C303E-B8A6-42B7-A0C5-EDE0A1C09C5B}"/>
               </a:ext>
             </a:extLst>
           </p:cNvPr>
@@ -1742,7 +1743,7 @@
           <p:cNvPr id="6" name="Espaço Reservado para Conteúdo 5">
             <a:extLst>
               <a:ext uri="{FF2B5EF4-FFF2-40B4-BE49-F238E27FC236}">
-                <a16:creationId xmlns:a16="http://schemas.microsoft.com/office/drawing/2014/main" id="{2B4FE694-BCE6-43C2-B89F-8820F7924275}"/>
+                <a16:creationId xmlns:a16="http://schemas.microsoft.com/office/drawing/2014/main" xmlns="" id="{2B4FE694-BCE6-43C2-B89F-8820F7924275}"/>
               </a:ext>
             </a:extLst>
           </p:cNvPr>
@@ -1804,7 +1805,7 @@
           <p:cNvPr id="7" name="Espaço Reservado para Data 6">
             <a:extLst>
               <a:ext uri="{FF2B5EF4-FFF2-40B4-BE49-F238E27FC236}">
-                <a16:creationId xmlns:a16="http://schemas.microsoft.com/office/drawing/2014/main" id="{D01D0B47-E484-407D-9910-555871311F3E}"/>
+                <a16:creationId xmlns:a16="http://schemas.microsoft.com/office/drawing/2014/main" xmlns="" id="{D01D0B47-E484-407D-9910-555871311F3E}"/>
               </a:ext>
             </a:extLst>
           </p:cNvPr>
@@ -1822,7 +1823,7 @@
           <a:p>
             <a:fld id="{E10D5F73-A0B2-4F94-B081-A28629C95DB2}" type="datetimeFigureOut">
               <a:rPr lang="pt-BR" smtClean="0"/>
-              <a:t>18/09/2017</a:t>
+              <a:t>24/09/2017</a:t>
             </a:fld>
             <a:endParaRPr lang="pt-BR"/>
           </a:p>
@@ -1833,7 +1834,7 @@
           <p:cNvPr id="8" name="Espaço Reservado para Rodapé 7">
             <a:extLst>
               <a:ext uri="{FF2B5EF4-FFF2-40B4-BE49-F238E27FC236}">
-                <a16:creationId xmlns:a16="http://schemas.microsoft.com/office/drawing/2014/main" id="{E06A67F2-900D-44C5-9B45-DE99B1250685}"/>
+                <a16:creationId xmlns:a16="http://schemas.microsoft.com/office/drawing/2014/main" xmlns="" id="{E06A67F2-900D-44C5-9B45-DE99B1250685}"/>
               </a:ext>
             </a:extLst>
           </p:cNvPr>
@@ -1858,7 +1859,7 @@
           <p:cNvPr id="9" name="Espaço Reservado para Número de Slide 8">
             <a:extLst>
               <a:ext uri="{FF2B5EF4-FFF2-40B4-BE49-F238E27FC236}">
-                <a16:creationId xmlns:a16="http://schemas.microsoft.com/office/drawing/2014/main" id="{FF77DBBD-4DF3-4224-AEA7-ADB269B3FF48}"/>
+                <a16:creationId xmlns:a16="http://schemas.microsoft.com/office/drawing/2014/main" xmlns="" id="{FF77DBBD-4DF3-4224-AEA7-ADB269B3FF48}"/>
               </a:ext>
             </a:extLst>
           </p:cNvPr>
@@ -1917,7 +1918,7 @@
           <p:cNvPr id="2" name="Título 1">
             <a:extLst>
               <a:ext uri="{FF2B5EF4-FFF2-40B4-BE49-F238E27FC236}">
-                <a16:creationId xmlns:a16="http://schemas.microsoft.com/office/drawing/2014/main" id="{23F57BD7-4AE4-4FD3-8D81-5375B3B4EDFC}"/>
+                <a16:creationId xmlns:a16="http://schemas.microsoft.com/office/drawing/2014/main" xmlns="" id="{23F57BD7-4AE4-4FD3-8D81-5375B3B4EDFC}"/>
               </a:ext>
             </a:extLst>
           </p:cNvPr>
@@ -1945,7 +1946,7 @@
           <p:cNvPr id="3" name="Espaço Reservado para Data 2">
             <a:extLst>
               <a:ext uri="{FF2B5EF4-FFF2-40B4-BE49-F238E27FC236}">
-                <a16:creationId xmlns:a16="http://schemas.microsoft.com/office/drawing/2014/main" id="{BD525BFD-A181-4E5F-AC1D-37CFC0F8D714}"/>
+                <a16:creationId xmlns:a16="http://schemas.microsoft.com/office/drawing/2014/main" xmlns="" id="{BD525BFD-A181-4E5F-AC1D-37CFC0F8D714}"/>
               </a:ext>
             </a:extLst>
           </p:cNvPr>
@@ -1963,7 +1964,7 @@
           <a:p>
             <a:fld id="{E10D5F73-A0B2-4F94-B081-A28629C95DB2}" type="datetimeFigureOut">
               <a:rPr lang="pt-BR" smtClean="0"/>
-              <a:t>18/09/2017</a:t>
+              <a:t>24/09/2017</a:t>
             </a:fld>
             <a:endParaRPr lang="pt-BR"/>
           </a:p>
@@ -1974,7 +1975,7 @@
           <p:cNvPr id="4" name="Espaço Reservado para Rodapé 3">
             <a:extLst>
               <a:ext uri="{FF2B5EF4-FFF2-40B4-BE49-F238E27FC236}">
-                <a16:creationId xmlns:a16="http://schemas.microsoft.com/office/drawing/2014/main" id="{FE25FA66-A384-4B6B-B52F-12420DD491DF}"/>
+                <a16:creationId xmlns:a16="http://schemas.microsoft.com/office/drawing/2014/main" xmlns="" id="{FE25FA66-A384-4B6B-B52F-12420DD491DF}"/>
               </a:ext>
             </a:extLst>
           </p:cNvPr>
@@ -1999,7 +2000,7 @@
           <p:cNvPr id="5" name="Espaço Reservado para Número de Slide 4">
             <a:extLst>
               <a:ext uri="{FF2B5EF4-FFF2-40B4-BE49-F238E27FC236}">
-                <a16:creationId xmlns:a16="http://schemas.microsoft.com/office/drawing/2014/main" id="{578C6E8A-6465-4E4F-AEC0-4C50BD1C690C}"/>
+                <a16:creationId xmlns:a16="http://schemas.microsoft.com/office/drawing/2014/main" xmlns="" id="{578C6E8A-6465-4E4F-AEC0-4C50BD1C690C}"/>
               </a:ext>
             </a:extLst>
           </p:cNvPr>
@@ -2058,7 +2059,7 @@
           <p:cNvPr id="2" name="Espaço Reservado para Data 1">
             <a:extLst>
               <a:ext uri="{FF2B5EF4-FFF2-40B4-BE49-F238E27FC236}">
-                <a16:creationId xmlns:a16="http://schemas.microsoft.com/office/drawing/2014/main" id="{FE21ECEE-4E14-4925-8B20-0710D11D9689}"/>
+                <a16:creationId xmlns:a16="http://schemas.microsoft.com/office/drawing/2014/main" xmlns="" id="{FE21ECEE-4E14-4925-8B20-0710D11D9689}"/>
               </a:ext>
             </a:extLst>
           </p:cNvPr>
@@ -2076,7 +2077,7 @@
           <a:p>
             <a:fld id="{E10D5F73-A0B2-4F94-B081-A28629C95DB2}" type="datetimeFigureOut">
               <a:rPr lang="pt-BR" smtClean="0"/>
-              <a:t>18/09/2017</a:t>
+              <a:t>24/09/2017</a:t>
             </a:fld>
             <a:endParaRPr lang="pt-BR"/>
           </a:p>
@@ -2087,7 +2088,7 @@
           <p:cNvPr id="3" name="Espaço Reservado para Rodapé 2">
             <a:extLst>
               <a:ext uri="{FF2B5EF4-FFF2-40B4-BE49-F238E27FC236}">
-                <a16:creationId xmlns:a16="http://schemas.microsoft.com/office/drawing/2014/main" id="{5D98AB9C-EFF6-45E6-91BB-88C70CBD3A40}"/>
+                <a16:creationId xmlns:a16="http://schemas.microsoft.com/office/drawing/2014/main" xmlns="" id="{5D98AB9C-EFF6-45E6-91BB-88C70CBD3A40}"/>
               </a:ext>
             </a:extLst>
           </p:cNvPr>
@@ -2112,7 +2113,7 @@
           <p:cNvPr id="4" name="Espaço Reservado para Número de Slide 3">
             <a:extLst>
               <a:ext uri="{FF2B5EF4-FFF2-40B4-BE49-F238E27FC236}">
-                <a16:creationId xmlns:a16="http://schemas.microsoft.com/office/drawing/2014/main" id="{A044B6ED-552E-4855-8942-0B379EC72302}"/>
+                <a16:creationId xmlns:a16="http://schemas.microsoft.com/office/drawing/2014/main" xmlns="" id="{A044B6ED-552E-4855-8942-0B379EC72302}"/>
               </a:ext>
             </a:extLst>
           </p:cNvPr>
@@ -2171,7 +2172,7 @@
           <p:cNvPr id="2" name="Título 1">
             <a:extLst>
               <a:ext uri="{FF2B5EF4-FFF2-40B4-BE49-F238E27FC236}">
-                <a16:creationId xmlns:a16="http://schemas.microsoft.com/office/drawing/2014/main" id="{29049822-0BF1-49E7-8DEB-68382D8F58BF}"/>
+                <a16:creationId xmlns:a16="http://schemas.microsoft.com/office/drawing/2014/main" xmlns="" id="{29049822-0BF1-49E7-8DEB-68382D8F58BF}"/>
               </a:ext>
             </a:extLst>
           </p:cNvPr>
@@ -2208,7 +2209,7 @@
           <p:cNvPr id="3" name="Espaço Reservado para Conteúdo 2">
             <a:extLst>
               <a:ext uri="{FF2B5EF4-FFF2-40B4-BE49-F238E27FC236}">
-                <a16:creationId xmlns:a16="http://schemas.microsoft.com/office/drawing/2014/main" id="{326CCFBC-B87A-401D-80B6-8E0E4F6455EF}"/>
+                <a16:creationId xmlns:a16="http://schemas.microsoft.com/office/drawing/2014/main" xmlns="" id="{326CCFBC-B87A-401D-80B6-8E0E4F6455EF}"/>
               </a:ext>
             </a:extLst>
           </p:cNvPr>
@@ -2298,7 +2299,7 @@
           <p:cNvPr id="4" name="Espaço Reservado para Texto 3">
             <a:extLst>
               <a:ext uri="{FF2B5EF4-FFF2-40B4-BE49-F238E27FC236}">
-                <a16:creationId xmlns:a16="http://schemas.microsoft.com/office/drawing/2014/main" id="{227B79E4-C3EC-4827-813C-EADB3D951020}"/>
+                <a16:creationId xmlns:a16="http://schemas.microsoft.com/office/drawing/2014/main" xmlns="" id="{227B79E4-C3EC-4827-813C-EADB3D951020}"/>
               </a:ext>
             </a:extLst>
           </p:cNvPr>
@@ -2369,7 +2370,7 @@
           <p:cNvPr id="5" name="Espaço Reservado para Data 4">
             <a:extLst>
               <a:ext uri="{FF2B5EF4-FFF2-40B4-BE49-F238E27FC236}">
-                <a16:creationId xmlns:a16="http://schemas.microsoft.com/office/drawing/2014/main" id="{E50A64C0-F7A3-41DF-B2BA-75C3EB572808}"/>
+                <a16:creationId xmlns:a16="http://schemas.microsoft.com/office/drawing/2014/main" xmlns="" id="{E50A64C0-F7A3-41DF-B2BA-75C3EB572808}"/>
               </a:ext>
             </a:extLst>
           </p:cNvPr>
@@ -2387,7 +2388,7 @@
           <a:p>
             <a:fld id="{E10D5F73-A0B2-4F94-B081-A28629C95DB2}" type="datetimeFigureOut">
               <a:rPr lang="pt-BR" smtClean="0"/>
-              <a:t>18/09/2017</a:t>
+              <a:t>24/09/2017</a:t>
             </a:fld>
             <a:endParaRPr lang="pt-BR"/>
           </a:p>
@@ -2398,7 +2399,7 @@
           <p:cNvPr id="6" name="Espaço Reservado para Rodapé 5">
             <a:extLst>
               <a:ext uri="{FF2B5EF4-FFF2-40B4-BE49-F238E27FC236}">
-                <a16:creationId xmlns:a16="http://schemas.microsoft.com/office/drawing/2014/main" id="{63DCEDC5-8016-48F5-9F4B-C1CF4D462653}"/>
+                <a16:creationId xmlns:a16="http://schemas.microsoft.com/office/drawing/2014/main" xmlns="" id="{63DCEDC5-8016-48F5-9F4B-C1CF4D462653}"/>
               </a:ext>
             </a:extLst>
           </p:cNvPr>
@@ -2423,7 +2424,7 @@
           <p:cNvPr id="7" name="Espaço Reservado para Número de Slide 6">
             <a:extLst>
               <a:ext uri="{FF2B5EF4-FFF2-40B4-BE49-F238E27FC236}">
-                <a16:creationId xmlns:a16="http://schemas.microsoft.com/office/drawing/2014/main" id="{65D5A9D5-37CB-4CFA-A177-C9EF35E145EF}"/>
+                <a16:creationId xmlns:a16="http://schemas.microsoft.com/office/drawing/2014/main" xmlns="" id="{65D5A9D5-37CB-4CFA-A177-C9EF35E145EF}"/>
               </a:ext>
             </a:extLst>
           </p:cNvPr>
@@ -2482,7 +2483,7 @@
           <p:cNvPr id="2" name="Título 1">
             <a:extLst>
               <a:ext uri="{FF2B5EF4-FFF2-40B4-BE49-F238E27FC236}">
-                <a16:creationId xmlns:a16="http://schemas.microsoft.com/office/drawing/2014/main" id="{291E0610-5418-42CE-AEBD-8391E17D3EA9}"/>
+                <a16:creationId xmlns:a16="http://schemas.microsoft.com/office/drawing/2014/main" xmlns="" id="{291E0610-5418-42CE-AEBD-8391E17D3EA9}"/>
               </a:ext>
             </a:extLst>
           </p:cNvPr>
@@ -2519,7 +2520,7 @@
           <p:cNvPr id="3" name="Espaço Reservado para Imagem 2">
             <a:extLst>
               <a:ext uri="{FF2B5EF4-FFF2-40B4-BE49-F238E27FC236}">
-                <a16:creationId xmlns:a16="http://schemas.microsoft.com/office/drawing/2014/main" id="{225E54F6-20DD-4891-BC90-AA4FB480FA42}"/>
+                <a16:creationId xmlns:a16="http://schemas.microsoft.com/office/drawing/2014/main" xmlns="" id="{225E54F6-20DD-4891-BC90-AA4FB480FA42}"/>
               </a:ext>
             </a:extLst>
           </p:cNvPr>
@@ -2586,7 +2587,7 @@
           <p:cNvPr id="4" name="Espaço Reservado para Texto 3">
             <a:extLst>
               <a:ext uri="{FF2B5EF4-FFF2-40B4-BE49-F238E27FC236}">
-                <a16:creationId xmlns:a16="http://schemas.microsoft.com/office/drawing/2014/main" id="{E6F98561-B044-48B5-BE23-FF05D63F85F8}"/>
+                <a16:creationId xmlns:a16="http://schemas.microsoft.com/office/drawing/2014/main" xmlns="" id="{E6F98561-B044-48B5-BE23-FF05D63F85F8}"/>
               </a:ext>
             </a:extLst>
           </p:cNvPr>
@@ -2657,7 +2658,7 @@
           <p:cNvPr id="5" name="Espaço Reservado para Data 4">
             <a:extLst>
               <a:ext uri="{FF2B5EF4-FFF2-40B4-BE49-F238E27FC236}">
-                <a16:creationId xmlns:a16="http://schemas.microsoft.com/office/drawing/2014/main" id="{61C52BEB-45F6-45C5-BB49-C32635BF1074}"/>
+                <a16:creationId xmlns:a16="http://schemas.microsoft.com/office/drawing/2014/main" xmlns="" id="{61C52BEB-45F6-45C5-BB49-C32635BF1074}"/>
               </a:ext>
             </a:extLst>
           </p:cNvPr>
@@ -2675,7 +2676,7 @@
           <a:p>
             <a:fld id="{E10D5F73-A0B2-4F94-B081-A28629C95DB2}" type="datetimeFigureOut">
               <a:rPr lang="pt-BR" smtClean="0"/>
-              <a:t>18/09/2017</a:t>
+              <a:t>24/09/2017</a:t>
             </a:fld>
             <a:endParaRPr lang="pt-BR"/>
           </a:p>
@@ -2686,7 +2687,7 @@
           <p:cNvPr id="6" name="Espaço Reservado para Rodapé 5">
             <a:extLst>
               <a:ext uri="{FF2B5EF4-FFF2-40B4-BE49-F238E27FC236}">
-                <a16:creationId xmlns:a16="http://schemas.microsoft.com/office/drawing/2014/main" id="{F7527DFD-9101-4882-BBA4-D840948B8DFF}"/>
+                <a16:creationId xmlns:a16="http://schemas.microsoft.com/office/drawing/2014/main" xmlns="" id="{F7527DFD-9101-4882-BBA4-D840948B8DFF}"/>
               </a:ext>
             </a:extLst>
           </p:cNvPr>
@@ -2711,7 +2712,7 @@
           <p:cNvPr id="7" name="Espaço Reservado para Número de Slide 6">
             <a:extLst>
               <a:ext uri="{FF2B5EF4-FFF2-40B4-BE49-F238E27FC236}">
-                <a16:creationId xmlns:a16="http://schemas.microsoft.com/office/drawing/2014/main" id="{57C04C62-2096-492D-9B60-6CBF388A589A}"/>
+                <a16:creationId xmlns:a16="http://schemas.microsoft.com/office/drawing/2014/main" xmlns="" id="{57C04C62-2096-492D-9B60-6CBF388A589A}"/>
               </a:ext>
             </a:extLst>
           </p:cNvPr>
@@ -2775,7 +2776,7 @@
           <p:cNvPr id="2" name="Espaço Reservado para Título 1">
             <a:extLst>
               <a:ext uri="{FF2B5EF4-FFF2-40B4-BE49-F238E27FC236}">
-                <a16:creationId xmlns:a16="http://schemas.microsoft.com/office/drawing/2014/main" id="{A435F89E-67A7-47A7-B18F-F00308442E08}"/>
+                <a16:creationId xmlns:a16="http://schemas.microsoft.com/office/drawing/2014/main" xmlns="" id="{A435F89E-67A7-47A7-B18F-F00308442E08}"/>
               </a:ext>
             </a:extLst>
           </p:cNvPr>
@@ -2813,7 +2814,7 @@
           <p:cNvPr id="3" name="Espaço Reservado para Texto 2">
             <a:extLst>
               <a:ext uri="{FF2B5EF4-FFF2-40B4-BE49-F238E27FC236}">
-                <a16:creationId xmlns:a16="http://schemas.microsoft.com/office/drawing/2014/main" id="{88C6E3D9-AFC4-4B74-8960-578C65672912}"/>
+                <a16:creationId xmlns:a16="http://schemas.microsoft.com/office/drawing/2014/main" xmlns="" id="{88C6E3D9-AFC4-4B74-8960-578C65672912}"/>
               </a:ext>
             </a:extLst>
           </p:cNvPr>
@@ -2880,7 +2881,7 @@
           <p:cNvPr id="4" name="Espaço Reservado para Data 3">
             <a:extLst>
               <a:ext uri="{FF2B5EF4-FFF2-40B4-BE49-F238E27FC236}">
-                <a16:creationId xmlns:a16="http://schemas.microsoft.com/office/drawing/2014/main" id="{B65EF4B1-A18E-4BE2-B920-A61F8CE8796B}"/>
+                <a16:creationId xmlns:a16="http://schemas.microsoft.com/office/drawing/2014/main" xmlns="" id="{B65EF4B1-A18E-4BE2-B920-A61F8CE8796B}"/>
               </a:ext>
             </a:extLst>
           </p:cNvPr>
@@ -2916,7 +2917,7 @@
           <a:p>
             <a:fld id="{E10D5F73-A0B2-4F94-B081-A28629C95DB2}" type="datetimeFigureOut">
               <a:rPr lang="pt-BR" smtClean="0"/>
-              <a:t>18/09/2017</a:t>
+              <a:t>24/09/2017</a:t>
             </a:fld>
             <a:endParaRPr lang="pt-BR"/>
           </a:p>
@@ -2927,7 +2928,7 @@
           <p:cNvPr id="5" name="Espaço Reservado para Rodapé 4">
             <a:extLst>
               <a:ext uri="{FF2B5EF4-FFF2-40B4-BE49-F238E27FC236}">
-                <a16:creationId xmlns:a16="http://schemas.microsoft.com/office/drawing/2014/main" id="{15311A7B-ADCC-4290-A71C-07425387C684}"/>
+                <a16:creationId xmlns:a16="http://schemas.microsoft.com/office/drawing/2014/main" xmlns="" id="{15311A7B-ADCC-4290-A71C-07425387C684}"/>
               </a:ext>
             </a:extLst>
           </p:cNvPr>
@@ -2970,7 +2971,7 @@
           <p:cNvPr id="6" name="Espaço Reservado para Número de Slide 5">
             <a:extLst>
               <a:ext uri="{FF2B5EF4-FFF2-40B4-BE49-F238E27FC236}">
-                <a16:creationId xmlns:a16="http://schemas.microsoft.com/office/drawing/2014/main" id="{0FC2A743-4191-4A0F-848C-2CAF69EDC653}"/>
+                <a16:creationId xmlns:a16="http://schemas.microsoft.com/office/drawing/2014/main" xmlns="" id="{0FC2A743-4191-4A0F-848C-2CAF69EDC653}"/>
               </a:ext>
             </a:extLst>
           </p:cNvPr>
@@ -3338,7 +3339,7 @@
           <p:cNvPr id="2" name="Título 1">
             <a:extLst>
               <a:ext uri="{FF2B5EF4-FFF2-40B4-BE49-F238E27FC236}">
-                <a16:creationId xmlns:a16="http://schemas.microsoft.com/office/drawing/2014/main" id="{388DD824-37BD-4CD3-9BBE-DB9F963596AD}"/>
+                <a16:creationId xmlns:a16="http://schemas.microsoft.com/office/drawing/2014/main" xmlns="" id="{388DD824-37BD-4CD3-9BBE-DB9F963596AD}"/>
               </a:ext>
             </a:extLst>
           </p:cNvPr>
@@ -3366,7 +3367,7 @@
           <p:cNvPr id="3" name="Subtítulo 2">
             <a:extLst>
               <a:ext uri="{FF2B5EF4-FFF2-40B4-BE49-F238E27FC236}">
-                <a16:creationId xmlns:a16="http://schemas.microsoft.com/office/drawing/2014/main" id="{4B0131BA-9DE8-4BE0-AF55-84E48D75832B}"/>
+                <a16:creationId xmlns:a16="http://schemas.microsoft.com/office/drawing/2014/main" xmlns="" id="{4B0131BA-9DE8-4BE0-AF55-84E48D75832B}"/>
               </a:ext>
             </a:extLst>
           </p:cNvPr>
@@ -3410,7 +3411,7 @@
           <p:cNvPr id="4" name="CaixaDeTexto 3">
             <a:extLst>
               <a:ext uri="{FF2B5EF4-FFF2-40B4-BE49-F238E27FC236}">
-                <a16:creationId xmlns:a16="http://schemas.microsoft.com/office/drawing/2014/main" id="{ABC28E24-B33B-44AE-A368-A47782E8E9FB}"/>
+                <a16:creationId xmlns:a16="http://schemas.microsoft.com/office/drawing/2014/main" xmlns="" id="{ABC28E24-B33B-44AE-A368-A47782E8E9FB}"/>
               </a:ext>
             </a:extLst>
           </p:cNvPr>
@@ -3420,7 +3421,7 @@
         <p:spPr>
           <a:xfrm>
             <a:off x="7010400" y="4585942"/>
-            <a:ext cx="4664765" cy="1200329"/>
+            <a:ext cx="4664765" cy="1477328"/>
           </a:xfrm>
           <a:prstGeom prst="rect">
             <a:avLst/>
@@ -3455,7 +3456,43 @@
             <a:pPr lvl="1"/>
             <a:r>
               <a:rPr lang="pt-BR" dirty="0"/>
-              <a:t>		Marcos Neto Santos</a:t>
+              <a:t>	</a:t>
+            </a:r>
+            <a:r>
+              <a:rPr lang="pt-BR" dirty="0"/>
+              <a:t>           </a:t>
+            </a:r>
+            <a:r>
+              <a:rPr lang="pt-BR" dirty="0" err="1"/>
+              <a:t>kaic</a:t>
+            </a:r>
+            <a:r>
+              <a:rPr lang="pt-BR" dirty="0"/>
+              <a:t> de Oliveira </a:t>
+            </a:r>
+            <a:r>
+              <a:rPr lang="pt-BR" dirty="0" smtClean="0"/>
+              <a:t>Barros</a:t>
+            </a:r>
+            <a:endParaRPr lang="pt-BR" dirty="0" smtClean="0"/>
+          </a:p>
+          <a:p>
+            <a:pPr lvl="1"/>
+            <a:r>
+              <a:rPr lang="pt-BR" dirty="0"/>
+              <a:t>	 </a:t>
+            </a:r>
+            <a:r>
+              <a:rPr lang="pt-BR" dirty="0" smtClean="0"/>
+              <a:t>          </a:t>
+            </a:r>
+            <a:r>
+              <a:rPr lang="pt-BR" dirty="0" smtClean="0"/>
+              <a:t>Marcos </a:t>
+            </a:r>
+            <a:r>
+              <a:rPr lang="pt-BR" dirty="0"/>
+              <a:t>Neto Santos</a:t>
             </a:r>
           </a:p>
           <a:p>
@@ -3463,14 +3500,6 @@
             <a:r>
               <a:rPr lang="pt-BR" dirty="0"/>
               <a:t>		</a:t>
-            </a:r>
-            <a:r>
-              <a:rPr lang="pt-BR" dirty="0" err="1"/>
-              <a:t>kaic</a:t>
-            </a:r>
-            <a:r>
-              <a:rPr lang="pt-BR" dirty="0"/>
-              <a:t> de Oliveira Barros</a:t>
             </a:r>
           </a:p>
         </p:txBody>
@@ -3485,10 +3514,17 @@
   <p:clrMapOvr>
     <a:masterClrMapping/>
   </p:clrMapOvr>
+  <p:timing>
+    <p:tnLst>
+      <p:par>
+        <p:cTn id="1" dur="indefinite" restart="never" nodeType="tmRoot"/>
+      </p:par>
+    </p:tnLst>
+  </p:timing>
 </p:sld>
 </file>
 
-<file path=ppt/slides/slide2.xml><?xml version="1.0" encoding="utf-8"?>
+<file path=ppt/slides/slide10.xml><?xml version="1.0" encoding="utf-8"?>
 <p:sld xmlns:a="http://schemas.openxmlformats.org/drawingml/2006/main" xmlns:r="http://schemas.openxmlformats.org/officeDocument/2006/relationships" xmlns:p="http://schemas.openxmlformats.org/presentationml/2006/main">
   <p:cSld>
     <p:spTree>
@@ -3510,699 +3546,7 @@
           <p:cNvPr id="2" name="Título 1">
             <a:extLst>
               <a:ext uri="{FF2B5EF4-FFF2-40B4-BE49-F238E27FC236}">
-                <a16:creationId xmlns:a16="http://schemas.microsoft.com/office/drawing/2014/main" id="{88285017-FD92-4773-8970-A5F0351E6017}"/>
-              </a:ext>
-            </a:extLst>
-          </p:cNvPr>
-          <p:cNvSpPr>
-            <a:spLocks noGrp="1"/>
-          </p:cNvSpPr>
-          <p:nvPr>
-            <p:ph type="title"/>
-          </p:nvPr>
-        </p:nvSpPr>
-        <p:spPr/>
-        <p:txBody>
-          <a:bodyPr/>
-          <a:lstStyle/>
-          <a:p>
-            <a:r>
-              <a:rPr lang="pt-BR" dirty="0"/>
-              <a:t>Aprendizado Por Reforço</a:t>
-            </a:r>
-          </a:p>
-        </p:txBody>
-      </p:sp>
-      <p:sp>
-        <p:nvSpPr>
-          <p:cNvPr id="3" name="Espaço Reservado para Conteúdo 2">
-            <a:extLst>
-              <a:ext uri="{FF2B5EF4-FFF2-40B4-BE49-F238E27FC236}">
-                <a16:creationId xmlns:a16="http://schemas.microsoft.com/office/drawing/2014/main" id="{8F25DF22-2B4C-425E-85D3-AE88A2081C70}"/>
-              </a:ext>
-            </a:extLst>
-          </p:cNvPr>
-          <p:cNvSpPr>
-            <a:spLocks noGrp="1"/>
-          </p:cNvSpPr>
-          <p:nvPr>
-            <p:ph idx="1"/>
-          </p:nvPr>
-        </p:nvSpPr>
-        <p:spPr>
-          <a:xfrm>
-            <a:off x="838200" y="1825625"/>
-            <a:ext cx="10515600" cy="4351338"/>
-          </a:xfrm>
-        </p:spPr>
-        <p:txBody>
-          <a:bodyPr/>
-          <a:lstStyle/>
-          <a:p>
-            <a:pPr algn="just"/>
-            <a:r>
-              <a:rPr lang="pt-BR" dirty="0"/>
-              <a:t>Paradigma computacional de aprendizagem em que um agente aprendiz procura maximizar uma medida de desempenho baseada nos reforços que recebe ao interagir com um ambiente desconhecido. </a:t>
-            </a:r>
-          </a:p>
-          <a:p>
-            <a:pPr algn="just"/>
-            <a:endParaRPr lang="pt-BR" dirty="0"/>
-          </a:p>
-          <a:p>
-            <a:pPr algn="just"/>
-            <a:r>
-              <a:rPr lang="pt-BR" dirty="0"/>
-              <a:t>O agente tem como objetivo aprender de maneira autônoma uma política ótima de atuação, através da interação com o ambiente. </a:t>
-            </a:r>
-          </a:p>
-        </p:txBody>
-      </p:sp>
-    </p:spTree>
-    <p:extLst>
-      <p:ext uri="{BB962C8B-B14F-4D97-AF65-F5344CB8AC3E}">
-        <p14:creationId xmlns:p14="http://schemas.microsoft.com/office/powerpoint/2010/main" val="3906348794"/>
-      </p:ext>
-    </p:extLst>
-  </p:cSld>
-  <p:clrMapOvr>
-    <a:masterClrMapping/>
-  </p:clrMapOvr>
-</p:sld>
-</file>
-
-<file path=ppt/slides/slide3.xml><?xml version="1.0" encoding="utf-8"?>
-<p:sld xmlns:a="http://schemas.openxmlformats.org/drawingml/2006/main" xmlns:r="http://schemas.openxmlformats.org/officeDocument/2006/relationships" xmlns:p="http://schemas.openxmlformats.org/presentationml/2006/main">
-  <p:cSld>
-    <p:spTree>
-      <p:nvGrpSpPr>
-        <p:cNvPr id="1" name=""/>
-        <p:cNvGrpSpPr/>
-        <p:nvPr/>
-      </p:nvGrpSpPr>
-      <p:grpSpPr>
-        <a:xfrm>
-          <a:off x="0" y="0"/>
-          <a:ext cx="0" cy="0"/>
-          <a:chOff x="0" y="0"/>
-          <a:chExt cx="0" cy="0"/>
-        </a:xfrm>
-      </p:grpSpPr>
-      <p:sp>
-        <p:nvSpPr>
-          <p:cNvPr id="2" name="Título 1">
-            <a:extLst>
-              <a:ext uri="{FF2B5EF4-FFF2-40B4-BE49-F238E27FC236}">
-                <a16:creationId xmlns:a16="http://schemas.microsoft.com/office/drawing/2014/main" id="{88285017-FD92-4773-8970-A5F0351E6017}"/>
-              </a:ext>
-            </a:extLst>
-          </p:cNvPr>
-          <p:cNvSpPr>
-            <a:spLocks noGrp="1"/>
-          </p:cNvSpPr>
-          <p:nvPr>
-            <p:ph type="title"/>
-          </p:nvPr>
-        </p:nvSpPr>
-        <p:spPr/>
-        <p:txBody>
-          <a:bodyPr/>
-          <a:lstStyle/>
-          <a:p>
-            <a:r>
-              <a:rPr lang="pt-BR" dirty="0"/>
-              <a:t>Aprendizado Por Reforço</a:t>
-            </a:r>
-          </a:p>
-        </p:txBody>
-      </p:sp>
-      <p:pic>
-        <p:nvPicPr>
-          <p:cNvPr id="5" name="Espaço Reservado para Conteúdo 4">
-            <a:extLst>
-              <a:ext uri="{FF2B5EF4-FFF2-40B4-BE49-F238E27FC236}">
-                <a16:creationId xmlns:a16="http://schemas.microsoft.com/office/drawing/2014/main" id="{00293C98-C629-43FF-A8CF-F925F8783440}"/>
-              </a:ext>
-            </a:extLst>
-          </p:cNvPr>
-          <p:cNvPicPr>
-            <a:picLocks noGrp="1" noChangeAspect="1"/>
-          </p:cNvPicPr>
-          <p:nvPr>
-            <p:ph idx="1"/>
-          </p:nvPr>
-        </p:nvPicPr>
-        <p:blipFill>
-          <a:blip r:embed="rId2">
-            <a:extLst>
-              <a:ext uri="{28A0092B-C50C-407E-A947-70E740481C1C}">
-                <a14:useLocalDpi xmlns:a14="http://schemas.microsoft.com/office/drawing/2010/main" val="0"/>
-              </a:ext>
-            </a:extLst>
-          </a:blip>
-          <a:stretch>
-            <a:fillRect/>
-          </a:stretch>
-        </p:blipFill>
-        <p:spPr>
-          <a:xfrm>
-            <a:off x="2023494" y="2257975"/>
-            <a:ext cx="8145012" cy="3486637"/>
-          </a:xfrm>
-        </p:spPr>
-      </p:pic>
-    </p:spTree>
-    <p:extLst>
-      <p:ext uri="{BB962C8B-B14F-4D97-AF65-F5344CB8AC3E}">
-        <p14:creationId xmlns:p14="http://schemas.microsoft.com/office/powerpoint/2010/main" val="244053203"/>
-      </p:ext>
-    </p:extLst>
-  </p:cSld>
-  <p:clrMapOvr>
-    <a:masterClrMapping/>
-  </p:clrMapOvr>
-</p:sld>
-</file>
-
-<file path=ppt/slides/slide4.xml><?xml version="1.0" encoding="utf-8"?>
-<p:sld xmlns:a="http://schemas.openxmlformats.org/drawingml/2006/main" xmlns:r="http://schemas.openxmlformats.org/officeDocument/2006/relationships" xmlns:p="http://schemas.openxmlformats.org/presentationml/2006/main">
-  <p:cSld>
-    <p:spTree>
-      <p:nvGrpSpPr>
-        <p:cNvPr id="1" name=""/>
-        <p:cNvGrpSpPr/>
-        <p:nvPr/>
-      </p:nvGrpSpPr>
-      <p:grpSpPr>
-        <a:xfrm>
-          <a:off x="0" y="0"/>
-          <a:ext cx="0" cy="0"/>
-          <a:chOff x="0" y="0"/>
-          <a:chExt cx="0" cy="0"/>
-        </a:xfrm>
-      </p:grpSpPr>
-      <p:sp>
-        <p:nvSpPr>
-          <p:cNvPr id="2" name="Título 1">
-            <a:extLst>
-              <a:ext uri="{FF2B5EF4-FFF2-40B4-BE49-F238E27FC236}">
-                <a16:creationId xmlns:a16="http://schemas.microsoft.com/office/drawing/2014/main" id="{88285017-FD92-4773-8970-A5F0351E6017}"/>
-              </a:ext>
-            </a:extLst>
-          </p:cNvPr>
-          <p:cNvSpPr>
-            <a:spLocks noGrp="1"/>
-          </p:cNvSpPr>
-          <p:nvPr>
-            <p:ph type="title"/>
-          </p:nvPr>
-        </p:nvSpPr>
-        <p:spPr/>
-        <p:txBody>
-          <a:bodyPr/>
-          <a:lstStyle/>
-          <a:p>
-            <a:r>
-              <a:rPr lang="pt-BR" dirty="0"/>
-              <a:t>Aprendizado Por Reforço</a:t>
-            </a:r>
-          </a:p>
-        </p:txBody>
-      </p:sp>
-      <p:sp>
-        <p:nvSpPr>
-          <p:cNvPr id="3" name="Espaço Reservado para Conteúdo 2">
-            <a:extLst>
-              <a:ext uri="{FF2B5EF4-FFF2-40B4-BE49-F238E27FC236}">
-                <a16:creationId xmlns:a16="http://schemas.microsoft.com/office/drawing/2014/main" id="{8F25DF22-2B4C-425E-85D3-AE88A2081C70}"/>
-              </a:ext>
-            </a:extLst>
-          </p:cNvPr>
-          <p:cNvSpPr>
-            <a:spLocks noGrp="1"/>
-          </p:cNvSpPr>
-          <p:nvPr>
-            <p:ph idx="1"/>
-          </p:nvPr>
-        </p:nvSpPr>
-        <p:spPr>
-          <a:xfrm>
-            <a:off x="838200" y="1825625"/>
-            <a:ext cx="10515600" cy="4351338"/>
-          </a:xfrm>
-        </p:spPr>
-        <p:txBody>
-          <a:bodyPr/>
-          <a:lstStyle/>
-          <a:p>
-            <a:pPr algn="just"/>
-            <a:r>
-              <a:rPr lang="pt-BR" dirty="0"/>
-              <a:t>Sem a presença de um professor que ensina através de exemplos;</a:t>
-            </a:r>
-          </a:p>
-          <a:p>
-            <a:pPr algn="just"/>
-            <a:r>
-              <a:rPr lang="pt-BR" dirty="0"/>
-              <a:t>Na resolução de um problema de aprendizagem por reforço a meta é encontrar uma política ótima;</a:t>
-            </a:r>
-          </a:p>
-          <a:p>
-            <a:pPr algn="just"/>
-            <a:endParaRPr lang="pt-BR" dirty="0"/>
-          </a:p>
-        </p:txBody>
-      </p:sp>
-    </p:spTree>
-    <p:extLst>
-      <p:ext uri="{BB962C8B-B14F-4D97-AF65-F5344CB8AC3E}">
-        <p14:creationId xmlns:p14="http://schemas.microsoft.com/office/powerpoint/2010/main" val="3283764510"/>
-      </p:ext>
-    </p:extLst>
-  </p:cSld>
-  <p:clrMapOvr>
-    <a:masterClrMapping/>
-  </p:clrMapOvr>
-</p:sld>
-</file>
-
-<file path=ppt/slides/slide5.xml><?xml version="1.0" encoding="utf-8"?>
-<p:sld xmlns:a="http://schemas.openxmlformats.org/drawingml/2006/main" xmlns:r="http://schemas.openxmlformats.org/officeDocument/2006/relationships" xmlns:p="http://schemas.openxmlformats.org/presentationml/2006/main">
-  <p:cSld>
-    <p:spTree>
-      <p:nvGrpSpPr>
-        <p:cNvPr id="1" name=""/>
-        <p:cNvGrpSpPr/>
-        <p:nvPr/>
-      </p:nvGrpSpPr>
-      <p:grpSpPr>
-        <a:xfrm>
-          <a:off x="0" y="0"/>
-          <a:ext cx="0" cy="0"/>
-          <a:chOff x="0" y="0"/>
-          <a:chExt cx="0" cy="0"/>
-        </a:xfrm>
-      </p:grpSpPr>
-      <p:sp>
-        <p:nvSpPr>
-          <p:cNvPr id="2" name="Título 1">
-            <a:extLst>
-              <a:ext uri="{FF2B5EF4-FFF2-40B4-BE49-F238E27FC236}">
-                <a16:creationId xmlns:a16="http://schemas.microsoft.com/office/drawing/2014/main" id="{9A880442-863D-4811-B58F-4A77F77154BE}"/>
-              </a:ext>
-            </a:extLst>
-          </p:cNvPr>
-          <p:cNvSpPr>
-            <a:spLocks noGrp="1"/>
-          </p:cNvSpPr>
-          <p:nvPr>
-            <p:ph type="title"/>
-          </p:nvPr>
-        </p:nvSpPr>
-        <p:spPr/>
-        <p:txBody>
-          <a:bodyPr/>
-          <a:lstStyle/>
-          <a:p>
-            <a:r>
-              <a:rPr lang="pt-BR" dirty="0"/>
-              <a:t>Algoritmo de Q-</a:t>
-            </a:r>
-            <a:r>
-              <a:rPr lang="pt-BR" dirty="0" err="1"/>
-              <a:t>learning</a:t>
-            </a:r>
-            <a:endParaRPr lang="pt-BR" dirty="0"/>
-          </a:p>
-        </p:txBody>
-      </p:sp>
-      <p:sp>
-        <p:nvSpPr>
-          <p:cNvPr id="3" name="Espaço Reservado para Conteúdo 2">
-            <a:extLst>
-              <a:ext uri="{FF2B5EF4-FFF2-40B4-BE49-F238E27FC236}">
-                <a16:creationId xmlns:a16="http://schemas.microsoft.com/office/drawing/2014/main" id="{1AF53ACB-04EA-4BBE-AA12-905DD8466B6C}"/>
-              </a:ext>
-            </a:extLst>
-          </p:cNvPr>
-          <p:cNvSpPr>
-            <a:spLocks noGrp="1"/>
-          </p:cNvSpPr>
-          <p:nvPr>
-            <p:ph idx="1"/>
-          </p:nvPr>
-        </p:nvSpPr>
-        <p:spPr/>
-        <p:txBody>
-          <a:bodyPr/>
-          <a:lstStyle/>
-          <a:p>
-            <a:r>
-              <a:rPr lang="pt-BR" dirty="0"/>
-              <a:t>A função ação-valor Q se aproxima diretamente a função ação-valor ótima, através de atualizações dos pares estado-ação, que são feitas à medida que estes pares são visitados.</a:t>
-            </a:r>
-          </a:p>
-          <a:p>
-            <a:endParaRPr lang="pt-BR" dirty="0"/>
-          </a:p>
-        </p:txBody>
-      </p:sp>
-      <p:pic>
-        <p:nvPicPr>
-          <p:cNvPr id="4" name="Imagem 3" descr="C:\Users\Edna\AppData\Local\Microsoft\Windows\INetCache\Content.Word\ss.png">
-            <a:extLst>
-              <a:ext uri="{FF2B5EF4-FFF2-40B4-BE49-F238E27FC236}">
-                <a16:creationId xmlns:a16="http://schemas.microsoft.com/office/drawing/2014/main" id="{C6C05EC4-F4DA-472C-AA49-7F38C2AC3DE7}"/>
-              </a:ext>
-            </a:extLst>
-          </p:cNvPr>
-          <p:cNvPicPr/>
-          <p:nvPr/>
-        </p:nvPicPr>
-        <p:blipFill>
-          <a:blip r:embed="rId2">
-            <a:extLst>
-              <a:ext uri="{28A0092B-C50C-407E-A947-70E740481C1C}">
-                <a14:useLocalDpi xmlns:a14="http://schemas.microsoft.com/office/drawing/2010/main" val="0"/>
-              </a:ext>
-            </a:extLst>
-          </a:blip>
-          <a:srcRect/>
-          <a:stretch>
-            <a:fillRect/>
-          </a:stretch>
-        </p:blipFill>
-        <p:spPr bwMode="auto">
-          <a:xfrm>
-            <a:off x="2468880" y="3238500"/>
-            <a:ext cx="7292340" cy="1859280"/>
-          </a:xfrm>
-          <a:prstGeom prst="rect">
-            <a:avLst/>
-          </a:prstGeom>
-          <a:noFill/>
-          <a:ln>
-            <a:noFill/>
-          </a:ln>
-        </p:spPr>
-      </p:pic>
-    </p:spTree>
-    <p:extLst>
-      <p:ext uri="{BB962C8B-B14F-4D97-AF65-F5344CB8AC3E}">
-        <p14:creationId xmlns:p14="http://schemas.microsoft.com/office/powerpoint/2010/main" val="2513025840"/>
-      </p:ext>
-    </p:extLst>
-  </p:cSld>
-  <p:clrMapOvr>
-    <a:masterClrMapping/>
-  </p:clrMapOvr>
-</p:sld>
-</file>
-
-<file path=ppt/slides/slide6.xml><?xml version="1.0" encoding="utf-8"?>
-<p:sld xmlns:a="http://schemas.openxmlformats.org/drawingml/2006/main" xmlns:r="http://schemas.openxmlformats.org/officeDocument/2006/relationships" xmlns:p="http://schemas.openxmlformats.org/presentationml/2006/main">
-  <p:cSld>
-    <p:spTree>
-      <p:nvGrpSpPr>
-        <p:cNvPr id="1" name=""/>
-        <p:cNvGrpSpPr/>
-        <p:nvPr/>
-      </p:nvGrpSpPr>
-      <p:grpSpPr>
-        <a:xfrm>
-          <a:off x="0" y="0"/>
-          <a:ext cx="0" cy="0"/>
-          <a:chOff x="0" y="0"/>
-          <a:chExt cx="0" cy="0"/>
-        </a:xfrm>
-      </p:grpSpPr>
-      <p:sp>
-        <p:nvSpPr>
-          <p:cNvPr id="2" name="Título 1">
-            <a:extLst>
-              <a:ext uri="{FF2B5EF4-FFF2-40B4-BE49-F238E27FC236}">
-                <a16:creationId xmlns:a16="http://schemas.microsoft.com/office/drawing/2014/main" id="{AF9402AE-DD12-4F94-BDEC-290DD0A582F0}"/>
-              </a:ext>
-            </a:extLst>
-          </p:cNvPr>
-          <p:cNvSpPr>
-            <a:spLocks noGrp="1"/>
-          </p:cNvSpPr>
-          <p:nvPr>
-            <p:ph type="title"/>
-          </p:nvPr>
-        </p:nvSpPr>
-        <p:spPr/>
-        <p:txBody>
-          <a:bodyPr/>
-          <a:lstStyle/>
-          <a:p>
-            <a:r>
-              <a:rPr lang="pt-BR" dirty="0"/>
-              <a:t>Planta do Shopping</a:t>
-            </a:r>
-          </a:p>
-        </p:txBody>
-      </p:sp>
-      <p:sp>
-        <p:nvSpPr>
-          <p:cNvPr id="3" name="Espaço Reservado para Conteúdo 2">
-            <a:extLst>
-              <a:ext uri="{FF2B5EF4-FFF2-40B4-BE49-F238E27FC236}">
-                <a16:creationId xmlns:a16="http://schemas.microsoft.com/office/drawing/2014/main" id="{15D90B6C-EF08-4E69-BD7E-6F17406152CC}"/>
-              </a:ext>
-            </a:extLst>
-          </p:cNvPr>
-          <p:cNvSpPr>
-            <a:spLocks noGrp="1"/>
-          </p:cNvSpPr>
-          <p:nvPr>
-            <p:ph idx="1"/>
-          </p:nvPr>
-        </p:nvSpPr>
-        <p:spPr/>
-        <p:txBody>
-          <a:bodyPr/>
-          <a:lstStyle/>
-          <a:p>
-            <a:endParaRPr lang="pt-BR" dirty="0"/>
-          </a:p>
-        </p:txBody>
-      </p:sp>
-    </p:spTree>
-    <p:extLst>
-      <p:ext uri="{BB962C8B-B14F-4D97-AF65-F5344CB8AC3E}">
-        <p14:creationId xmlns:p14="http://schemas.microsoft.com/office/powerpoint/2010/main" val="1080214811"/>
-      </p:ext>
-    </p:extLst>
-  </p:cSld>
-  <p:clrMapOvr>
-    <a:masterClrMapping/>
-  </p:clrMapOvr>
-</p:sld>
-</file>
-
-<file path=ppt/slides/slide7.xml><?xml version="1.0" encoding="utf-8"?>
-<p:sld xmlns:a="http://schemas.openxmlformats.org/drawingml/2006/main" xmlns:r="http://schemas.openxmlformats.org/officeDocument/2006/relationships" xmlns:p="http://schemas.openxmlformats.org/presentationml/2006/main">
-  <p:cSld>
-    <p:spTree>
-      <p:nvGrpSpPr>
-        <p:cNvPr id="1" name=""/>
-        <p:cNvGrpSpPr/>
-        <p:nvPr/>
-      </p:nvGrpSpPr>
-      <p:grpSpPr>
-        <a:xfrm>
-          <a:off x="0" y="0"/>
-          <a:ext cx="0" cy="0"/>
-          <a:chOff x="0" y="0"/>
-          <a:chExt cx="0" cy="0"/>
-        </a:xfrm>
-      </p:grpSpPr>
-      <p:sp>
-        <p:nvSpPr>
-          <p:cNvPr id="2" name="Título 1">
-            <a:extLst>
-              <a:ext uri="{FF2B5EF4-FFF2-40B4-BE49-F238E27FC236}">
-                <a16:creationId xmlns:a16="http://schemas.microsoft.com/office/drawing/2014/main" id="{9FF2835C-740D-4FDA-9631-1AAD6CC47385}"/>
-              </a:ext>
-            </a:extLst>
-          </p:cNvPr>
-          <p:cNvSpPr>
-            <a:spLocks noGrp="1"/>
-          </p:cNvSpPr>
-          <p:nvPr>
-            <p:ph type="title"/>
-          </p:nvPr>
-        </p:nvSpPr>
-        <p:spPr/>
-        <p:txBody>
-          <a:bodyPr/>
-          <a:lstStyle/>
-          <a:p>
-            <a:r>
-              <a:rPr lang="pt-BR" dirty="0"/>
-              <a:t>Código</a:t>
-            </a:r>
-          </a:p>
-        </p:txBody>
-      </p:sp>
-      <p:pic>
-        <p:nvPicPr>
-          <p:cNvPr id="5" name="Espaço Reservado para Conteúdo 4">
-            <a:extLst>
-              <a:ext uri="{FF2B5EF4-FFF2-40B4-BE49-F238E27FC236}">
-                <a16:creationId xmlns:a16="http://schemas.microsoft.com/office/drawing/2014/main" id="{CA607FBC-CA02-4254-965D-78B386224EA0}"/>
-              </a:ext>
-            </a:extLst>
-          </p:cNvPr>
-          <p:cNvPicPr>
-            <a:picLocks noGrp="1" noChangeAspect="1"/>
-          </p:cNvPicPr>
-          <p:nvPr>
-            <p:ph idx="1"/>
-          </p:nvPr>
-        </p:nvPicPr>
-        <p:blipFill>
-          <a:blip r:embed="rId2">
-            <a:extLst>
-              <a:ext uri="{28A0092B-C50C-407E-A947-70E740481C1C}">
-                <a14:useLocalDpi xmlns:a14="http://schemas.microsoft.com/office/drawing/2010/main" val="0"/>
-              </a:ext>
-            </a:extLst>
-          </a:blip>
-          <a:stretch>
-            <a:fillRect/>
-          </a:stretch>
-        </p:blipFill>
-        <p:spPr>
-          <a:xfrm>
-            <a:off x="3737112" y="365126"/>
-            <a:ext cx="6453809" cy="5811838"/>
-          </a:xfrm>
-        </p:spPr>
-      </p:pic>
-    </p:spTree>
-    <p:extLst>
-      <p:ext uri="{BB962C8B-B14F-4D97-AF65-F5344CB8AC3E}">
-        <p14:creationId xmlns:p14="http://schemas.microsoft.com/office/powerpoint/2010/main" val="187614389"/>
-      </p:ext>
-    </p:extLst>
-  </p:cSld>
-  <p:clrMapOvr>
-    <a:masterClrMapping/>
-  </p:clrMapOvr>
-</p:sld>
-</file>
-
-<file path=ppt/slides/slide8.xml><?xml version="1.0" encoding="utf-8"?>
-<p:sld xmlns:a="http://schemas.openxmlformats.org/drawingml/2006/main" xmlns:r="http://schemas.openxmlformats.org/officeDocument/2006/relationships" xmlns:p="http://schemas.openxmlformats.org/presentationml/2006/main">
-  <p:cSld>
-    <p:spTree>
-      <p:nvGrpSpPr>
-        <p:cNvPr id="1" name=""/>
-        <p:cNvGrpSpPr/>
-        <p:nvPr/>
-      </p:nvGrpSpPr>
-      <p:grpSpPr>
-        <a:xfrm>
-          <a:off x="0" y="0"/>
-          <a:ext cx="0" cy="0"/>
-          <a:chOff x="0" y="0"/>
-          <a:chExt cx="0" cy="0"/>
-        </a:xfrm>
-      </p:grpSpPr>
-      <p:sp>
-        <p:nvSpPr>
-          <p:cNvPr id="2" name="Título 1">
-            <a:extLst>
-              <a:ext uri="{FF2B5EF4-FFF2-40B4-BE49-F238E27FC236}">
-                <a16:creationId xmlns:a16="http://schemas.microsoft.com/office/drawing/2014/main" id="{8EB4F9E6-B4BA-40DF-92D8-83077FE12E24}"/>
-              </a:ext>
-            </a:extLst>
-          </p:cNvPr>
-          <p:cNvSpPr>
-            <a:spLocks noGrp="1"/>
-          </p:cNvSpPr>
-          <p:nvPr>
-            <p:ph type="title"/>
-          </p:nvPr>
-        </p:nvSpPr>
-        <p:spPr/>
-        <p:txBody>
-          <a:bodyPr/>
-          <a:lstStyle/>
-          <a:p>
-            <a:pPr algn="ctr"/>
-            <a:r>
-              <a:rPr lang="pt-BR" dirty="0"/>
-              <a:t>Conclusão</a:t>
-            </a:r>
-          </a:p>
-        </p:txBody>
-      </p:sp>
-      <p:sp>
-        <p:nvSpPr>
-          <p:cNvPr id="3" name="Espaço Reservado para Conteúdo 2">
-            <a:extLst>
-              <a:ext uri="{FF2B5EF4-FFF2-40B4-BE49-F238E27FC236}">
-                <a16:creationId xmlns:a16="http://schemas.microsoft.com/office/drawing/2014/main" id="{FC41D424-282D-465B-B414-7253C249A069}"/>
-              </a:ext>
-            </a:extLst>
-          </p:cNvPr>
-          <p:cNvSpPr>
-            <a:spLocks noGrp="1"/>
-          </p:cNvSpPr>
-          <p:nvPr>
-            <p:ph idx="1"/>
-          </p:nvPr>
-        </p:nvSpPr>
-        <p:spPr/>
-        <p:txBody>
-          <a:bodyPr/>
-          <a:lstStyle/>
-          <a:p>
-            <a:endParaRPr lang="pt-BR"/>
-          </a:p>
-        </p:txBody>
-      </p:sp>
-    </p:spTree>
-    <p:extLst>
-      <p:ext uri="{BB962C8B-B14F-4D97-AF65-F5344CB8AC3E}">
-        <p14:creationId xmlns:p14="http://schemas.microsoft.com/office/powerpoint/2010/main" val="3085091533"/>
-      </p:ext>
-    </p:extLst>
-  </p:cSld>
-  <p:clrMapOvr>
-    <a:masterClrMapping/>
-  </p:clrMapOvr>
-</p:sld>
-</file>
-
-<file path=ppt/slides/slide9.xml><?xml version="1.0" encoding="utf-8"?>
-<p:sld xmlns:a="http://schemas.openxmlformats.org/drawingml/2006/main" xmlns:r="http://schemas.openxmlformats.org/officeDocument/2006/relationships" xmlns:p="http://schemas.openxmlformats.org/presentationml/2006/main">
-  <p:cSld>
-    <p:spTree>
-      <p:nvGrpSpPr>
-        <p:cNvPr id="1" name=""/>
-        <p:cNvGrpSpPr/>
-        <p:nvPr/>
-      </p:nvGrpSpPr>
-      <p:grpSpPr>
-        <a:xfrm>
-          <a:off x="0" y="0"/>
-          <a:ext cx="0" cy="0"/>
-          <a:chOff x="0" y="0"/>
-          <a:chExt cx="0" cy="0"/>
-        </a:xfrm>
-      </p:grpSpPr>
-      <p:sp>
-        <p:nvSpPr>
-          <p:cNvPr id="2" name="Título 1">
-            <a:extLst>
-              <a:ext uri="{FF2B5EF4-FFF2-40B4-BE49-F238E27FC236}">
-                <a16:creationId xmlns:a16="http://schemas.microsoft.com/office/drawing/2014/main" id="{5B7AF523-B1F9-4B03-A3BA-442FD04135F7}"/>
+                <a16:creationId xmlns:a16="http://schemas.microsoft.com/office/drawing/2014/main" xmlns="" id="{5B7AF523-B1F9-4B03-A3BA-442FD04135F7}"/>
               </a:ext>
             </a:extLst>
           </p:cNvPr>
@@ -4227,7 +3571,7 @@
           <p:cNvPr id="3074" name="Picture 2" descr="Resultado de imagem para Obrigado">
             <a:extLst>
               <a:ext uri="{FF2B5EF4-FFF2-40B4-BE49-F238E27FC236}">
-                <a16:creationId xmlns:a16="http://schemas.microsoft.com/office/drawing/2014/main" id="{914DA44A-95AC-4D44-B2CC-9DC291EAAFAB}"/>
+                <a16:creationId xmlns:a16="http://schemas.microsoft.com/office/drawing/2014/main" xmlns="" id="{914DA44A-95AC-4D44-B2CC-9DC291EAAFAB}"/>
               </a:ext>
             </a:extLst>
           </p:cNvPr>
@@ -4281,6 +3625,987 @@
   <p:clrMapOvr>
     <a:masterClrMapping/>
   </p:clrMapOvr>
+  <p:timing>
+    <p:tnLst>
+      <p:par>
+        <p:cTn id="1" dur="indefinite" restart="never" nodeType="tmRoot"/>
+      </p:par>
+    </p:tnLst>
+  </p:timing>
+</p:sld>
+</file>
+
+<file path=ppt/slides/slide2.xml><?xml version="1.0" encoding="utf-8"?>
+<p:sld xmlns:a="http://schemas.openxmlformats.org/drawingml/2006/main" xmlns:r="http://schemas.openxmlformats.org/officeDocument/2006/relationships" xmlns:p="http://schemas.openxmlformats.org/presentationml/2006/main">
+  <p:cSld>
+    <p:spTree>
+      <p:nvGrpSpPr>
+        <p:cNvPr id="1" name=""/>
+        <p:cNvGrpSpPr/>
+        <p:nvPr/>
+      </p:nvGrpSpPr>
+      <p:grpSpPr>
+        <a:xfrm>
+          <a:off x="0" y="0"/>
+          <a:ext cx="0" cy="0"/>
+          <a:chOff x="0" y="0"/>
+          <a:chExt cx="0" cy="0"/>
+        </a:xfrm>
+      </p:grpSpPr>
+      <p:sp>
+        <p:nvSpPr>
+          <p:cNvPr id="2" name="Título 1">
+            <a:extLst>
+              <a:ext uri="{FF2B5EF4-FFF2-40B4-BE49-F238E27FC236}">
+                <a16:creationId xmlns:a16="http://schemas.microsoft.com/office/drawing/2014/main" xmlns="" id="{88285017-FD92-4773-8970-A5F0351E6017}"/>
+              </a:ext>
+            </a:extLst>
+          </p:cNvPr>
+          <p:cNvSpPr>
+            <a:spLocks noGrp="1"/>
+          </p:cNvSpPr>
+          <p:nvPr>
+            <p:ph type="title"/>
+          </p:nvPr>
+        </p:nvSpPr>
+        <p:spPr/>
+        <p:txBody>
+          <a:bodyPr/>
+          <a:lstStyle/>
+          <a:p>
+            <a:r>
+              <a:rPr lang="pt-BR" dirty="0"/>
+              <a:t>Aprendizado Por Reforço</a:t>
+            </a:r>
+          </a:p>
+        </p:txBody>
+      </p:sp>
+      <p:sp>
+        <p:nvSpPr>
+          <p:cNvPr id="3" name="Espaço Reservado para Conteúdo 2">
+            <a:extLst>
+              <a:ext uri="{FF2B5EF4-FFF2-40B4-BE49-F238E27FC236}">
+                <a16:creationId xmlns:a16="http://schemas.microsoft.com/office/drawing/2014/main" xmlns="" id="{8F25DF22-2B4C-425E-85D3-AE88A2081C70}"/>
+              </a:ext>
+            </a:extLst>
+          </p:cNvPr>
+          <p:cNvSpPr>
+            <a:spLocks noGrp="1"/>
+          </p:cNvSpPr>
+          <p:nvPr>
+            <p:ph idx="1"/>
+          </p:nvPr>
+        </p:nvSpPr>
+        <p:spPr>
+          <a:xfrm>
+            <a:off x="838200" y="1825625"/>
+            <a:ext cx="10515600" cy="4351338"/>
+          </a:xfrm>
+        </p:spPr>
+        <p:txBody>
+          <a:bodyPr/>
+          <a:lstStyle/>
+          <a:p>
+            <a:pPr algn="just"/>
+            <a:r>
+              <a:rPr lang="pt-BR" dirty="0"/>
+              <a:t>Paradigma computacional de aprendizagem em que um agente aprendiz procura maximizar uma medida de desempenho baseada nos reforços que recebe ao interagir com um ambiente desconhecido. </a:t>
+            </a:r>
+          </a:p>
+          <a:p>
+            <a:pPr algn="just"/>
+            <a:endParaRPr lang="pt-BR" dirty="0"/>
+          </a:p>
+          <a:p>
+            <a:pPr algn="just"/>
+            <a:r>
+              <a:rPr lang="pt-BR" dirty="0"/>
+              <a:t>O agente tem como objetivo aprender de maneira autônoma uma política ótima de atuação, através da interação com o ambiente. </a:t>
+            </a:r>
+          </a:p>
+        </p:txBody>
+      </p:sp>
+    </p:spTree>
+    <p:extLst>
+      <p:ext uri="{BB962C8B-B14F-4D97-AF65-F5344CB8AC3E}">
+        <p14:creationId xmlns:p14="http://schemas.microsoft.com/office/powerpoint/2010/main" val="3906348794"/>
+      </p:ext>
+    </p:extLst>
+  </p:cSld>
+  <p:clrMapOvr>
+    <a:masterClrMapping/>
+  </p:clrMapOvr>
+  <p:timing>
+    <p:tnLst>
+      <p:par>
+        <p:cTn id="1" dur="indefinite" restart="never" nodeType="tmRoot"/>
+      </p:par>
+    </p:tnLst>
+  </p:timing>
+</p:sld>
+</file>
+
+<file path=ppt/slides/slide3.xml><?xml version="1.0" encoding="utf-8"?>
+<p:sld xmlns:a="http://schemas.openxmlformats.org/drawingml/2006/main" xmlns:r="http://schemas.openxmlformats.org/officeDocument/2006/relationships" xmlns:p="http://schemas.openxmlformats.org/presentationml/2006/main">
+  <p:cSld>
+    <p:spTree>
+      <p:nvGrpSpPr>
+        <p:cNvPr id="1" name=""/>
+        <p:cNvGrpSpPr/>
+        <p:nvPr/>
+      </p:nvGrpSpPr>
+      <p:grpSpPr>
+        <a:xfrm>
+          <a:off x="0" y="0"/>
+          <a:ext cx="0" cy="0"/>
+          <a:chOff x="0" y="0"/>
+          <a:chExt cx="0" cy="0"/>
+        </a:xfrm>
+      </p:grpSpPr>
+      <p:sp>
+        <p:nvSpPr>
+          <p:cNvPr id="2" name="Título 1">
+            <a:extLst>
+              <a:ext uri="{FF2B5EF4-FFF2-40B4-BE49-F238E27FC236}">
+                <a16:creationId xmlns:a16="http://schemas.microsoft.com/office/drawing/2014/main" xmlns="" id="{88285017-FD92-4773-8970-A5F0351E6017}"/>
+              </a:ext>
+            </a:extLst>
+          </p:cNvPr>
+          <p:cNvSpPr>
+            <a:spLocks noGrp="1"/>
+          </p:cNvSpPr>
+          <p:nvPr>
+            <p:ph type="title"/>
+          </p:nvPr>
+        </p:nvSpPr>
+        <p:spPr/>
+        <p:txBody>
+          <a:bodyPr/>
+          <a:lstStyle/>
+          <a:p>
+            <a:r>
+              <a:rPr lang="pt-BR" dirty="0"/>
+              <a:t>Aprendizado Por Reforço</a:t>
+            </a:r>
+          </a:p>
+        </p:txBody>
+      </p:sp>
+      <p:sp>
+        <p:nvSpPr>
+          <p:cNvPr id="3" name="Espaço Reservado para Conteúdo 2">
+            <a:extLst>
+              <a:ext uri="{FF2B5EF4-FFF2-40B4-BE49-F238E27FC236}">
+                <a16:creationId xmlns:a16="http://schemas.microsoft.com/office/drawing/2014/main" xmlns="" id="{8F25DF22-2B4C-425E-85D3-AE88A2081C70}"/>
+              </a:ext>
+            </a:extLst>
+          </p:cNvPr>
+          <p:cNvSpPr>
+            <a:spLocks noGrp="1"/>
+          </p:cNvSpPr>
+          <p:nvPr>
+            <p:ph idx="1"/>
+          </p:nvPr>
+        </p:nvSpPr>
+        <p:spPr>
+          <a:xfrm>
+            <a:off x="838200" y="1825625"/>
+            <a:ext cx="10515600" cy="4351338"/>
+          </a:xfrm>
+        </p:spPr>
+        <p:txBody>
+          <a:bodyPr/>
+          <a:lstStyle/>
+          <a:p>
+            <a:pPr algn="just"/>
+            <a:r>
+              <a:rPr lang="pt-BR" dirty="0"/>
+              <a:t>Sem a presença de um professor que ensina através de exemplos;</a:t>
+            </a:r>
+          </a:p>
+          <a:p>
+            <a:pPr algn="just"/>
+            <a:r>
+              <a:rPr lang="pt-BR" dirty="0"/>
+              <a:t>Na resolução de um problema de aprendizagem por reforço a meta é encontrar uma política ótima</a:t>
+            </a:r>
+            <a:r>
+              <a:rPr lang="pt-BR" dirty="0" smtClean="0"/>
+              <a:t>;</a:t>
+            </a:r>
+          </a:p>
+          <a:p>
+            <a:pPr algn="just"/>
+            <a:r>
+              <a:rPr lang="pt-BR" dirty="0"/>
+              <a:t>Tal politica deve ser aprendida através de um processo de tentativa e </a:t>
+            </a:r>
+            <a:r>
+              <a:rPr lang="pt-BR" dirty="0" smtClean="0"/>
+              <a:t>erro</a:t>
+            </a:r>
+            <a:r>
+              <a:rPr lang="pt-BR" dirty="0"/>
+              <a:t>;</a:t>
+            </a:r>
+            <a:endParaRPr lang="pt-BR" dirty="0"/>
+          </a:p>
+          <a:p>
+            <a:pPr algn="just"/>
+            <a:endParaRPr lang="pt-BR" dirty="0"/>
+          </a:p>
+          <a:p>
+            <a:pPr algn="just"/>
+            <a:endParaRPr lang="pt-BR" dirty="0"/>
+          </a:p>
+        </p:txBody>
+      </p:sp>
+    </p:spTree>
+    <p:extLst>
+      <p:ext uri="{BB962C8B-B14F-4D97-AF65-F5344CB8AC3E}">
+        <p14:creationId xmlns:p14="http://schemas.microsoft.com/office/powerpoint/2010/main" val="3283764510"/>
+      </p:ext>
+    </p:extLst>
+  </p:cSld>
+  <p:clrMapOvr>
+    <a:masterClrMapping/>
+  </p:clrMapOvr>
+  <p:timing>
+    <p:tnLst>
+      <p:par>
+        <p:cTn id="1" dur="indefinite" restart="never" nodeType="tmRoot"/>
+      </p:par>
+    </p:tnLst>
+  </p:timing>
+</p:sld>
+</file>
+
+<file path=ppt/slides/slide4.xml><?xml version="1.0" encoding="utf-8"?>
+<p:sld xmlns:a="http://schemas.openxmlformats.org/drawingml/2006/main" xmlns:r="http://schemas.openxmlformats.org/officeDocument/2006/relationships" xmlns:p="http://schemas.openxmlformats.org/presentationml/2006/main">
+  <p:cSld>
+    <p:spTree>
+      <p:nvGrpSpPr>
+        <p:cNvPr id="1" name=""/>
+        <p:cNvGrpSpPr/>
+        <p:nvPr/>
+      </p:nvGrpSpPr>
+      <p:grpSpPr>
+        <a:xfrm>
+          <a:off x="0" y="0"/>
+          <a:ext cx="0" cy="0"/>
+          <a:chOff x="0" y="0"/>
+          <a:chExt cx="0" cy="0"/>
+        </a:xfrm>
+      </p:grpSpPr>
+      <p:sp>
+        <p:nvSpPr>
+          <p:cNvPr id="2" name="Título 1">
+            <a:extLst>
+              <a:ext uri="{FF2B5EF4-FFF2-40B4-BE49-F238E27FC236}">
+                <a16:creationId xmlns:a16="http://schemas.microsoft.com/office/drawing/2014/main" xmlns="" id="{88285017-FD92-4773-8970-A5F0351E6017}"/>
+              </a:ext>
+            </a:extLst>
+          </p:cNvPr>
+          <p:cNvSpPr>
+            <a:spLocks noGrp="1"/>
+          </p:cNvSpPr>
+          <p:nvPr>
+            <p:ph type="title"/>
+          </p:nvPr>
+        </p:nvSpPr>
+        <p:spPr/>
+        <p:txBody>
+          <a:bodyPr/>
+          <a:lstStyle/>
+          <a:p>
+            <a:r>
+              <a:rPr lang="pt-BR" dirty="0"/>
+              <a:t>Aprendizado Por Reforço</a:t>
+            </a:r>
+          </a:p>
+        </p:txBody>
+      </p:sp>
+      <p:pic>
+        <p:nvPicPr>
+          <p:cNvPr id="5" name="Espaço Reservado para Conteúdo 4">
+            <a:extLst>
+              <a:ext uri="{FF2B5EF4-FFF2-40B4-BE49-F238E27FC236}">
+                <a16:creationId xmlns:a16="http://schemas.microsoft.com/office/drawing/2014/main" xmlns="" id="{00293C98-C629-43FF-A8CF-F925F8783440}"/>
+              </a:ext>
+            </a:extLst>
+          </p:cNvPr>
+          <p:cNvPicPr>
+            <a:picLocks noGrp="1" noChangeAspect="1"/>
+          </p:cNvPicPr>
+          <p:nvPr>
+            <p:ph idx="1"/>
+          </p:nvPr>
+        </p:nvPicPr>
+        <p:blipFill>
+          <a:blip r:embed="rId2">
+            <a:extLst>
+              <a:ext uri="{28A0092B-C50C-407E-A947-70E740481C1C}">
+                <a14:useLocalDpi xmlns:a14="http://schemas.microsoft.com/office/drawing/2010/main" val="0"/>
+              </a:ext>
+            </a:extLst>
+          </a:blip>
+          <a:stretch>
+            <a:fillRect/>
+          </a:stretch>
+        </p:blipFill>
+        <p:spPr>
+          <a:xfrm>
+            <a:off x="2023494" y="2257975"/>
+            <a:ext cx="8145012" cy="3486637"/>
+          </a:xfrm>
+        </p:spPr>
+      </p:pic>
+    </p:spTree>
+    <p:extLst>
+      <p:ext uri="{BB962C8B-B14F-4D97-AF65-F5344CB8AC3E}">
+        <p14:creationId xmlns:p14="http://schemas.microsoft.com/office/powerpoint/2010/main" val="244053203"/>
+      </p:ext>
+    </p:extLst>
+  </p:cSld>
+  <p:clrMapOvr>
+    <a:masterClrMapping/>
+  </p:clrMapOvr>
+  <p:timing>
+    <p:tnLst>
+      <p:par>
+        <p:cTn id="1" dur="indefinite" restart="never" nodeType="tmRoot"/>
+      </p:par>
+    </p:tnLst>
+  </p:timing>
+</p:sld>
+</file>
+
+<file path=ppt/slides/slide5.xml><?xml version="1.0" encoding="utf-8"?>
+<p:sld xmlns:a="http://schemas.openxmlformats.org/drawingml/2006/main" xmlns:r="http://schemas.openxmlformats.org/officeDocument/2006/relationships" xmlns:p="http://schemas.openxmlformats.org/presentationml/2006/main">
+  <p:cSld>
+    <p:spTree>
+      <p:nvGrpSpPr>
+        <p:cNvPr id="1" name=""/>
+        <p:cNvGrpSpPr/>
+        <p:nvPr/>
+      </p:nvGrpSpPr>
+      <p:grpSpPr>
+        <a:xfrm>
+          <a:off x="0" y="0"/>
+          <a:ext cx="0" cy="0"/>
+          <a:chOff x="0" y="0"/>
+          <a:chExt cx="0" cy="0"/>
+        </a:xfrm>
+      </p:grpSpPr>
+      <p:sp>
+        <p:nvSpPr>
+          <p:cNvPr id="2" name="Título 1">
+            <a:extLst>
+              <a:ext uri="{FF2B5EF4-FFF2-40B4-BE49-F238E27FC236}">
+                <a16:creationId xmlns:a16="http://schemas.microsoft.com/office/drawing/2014/main" xmlns="" id="{9A880442-863D-4811-B58F-4A77F77154BE}"/>
+              </a:ext>
+            </a:extLst>
+          </p:cNvPr>
+          <p:cNvSpPr>
+            <a:spLocks noGrp="1"/>
+          </p:cNvSpPr>
+          <p:nvPr>
+            <p:ph type="title"/>
+          </p:nvPr>
+        </p:nvSpPr>
+        <p:spPr/>
+        <p:txBody>
+          <a:bodyPr/>
+          <a:lstStyle/>
+          <a:p>
+            <a:r>
+              <a:rPr lang="pt-BR" dirty="0"/>
+              <a:t>Algoritmo de Q-</a:t>
+            </a:r>
+            <a:r>
+              <a:rPr lang="pt-BR" dirty="0" err="1"/>
+              <a:t>learning</a:t>
+            </a:r>
+            <a:endParaRPr lang="pt-BR" dirty="0"/>
+          </a:p>
+        </p:txBody>
+      </p:sp>
+      <p:sp>
+        <p:nvSpPr>
+          <p:cNvPr id="3" name="Espaço Reservado para Conteúdo 2">
+            <a:extLst>
+              <a:ext uri="{FF2B5EF4-FFF2-40B4-BE49-F238E27FC236}">
+                <a16:creationId xmlns:a16="http://schemas.microsoft.com/office/drawing/2014/main" xmlns="" id="{1AF53ACB-04EA-4BBE-AA12-905DD8466B6C}"/>
+              </a:ext>
+            </a:extLst>
+          </p:cNvPr>
+          <p:cNvSpPr>
+            <a:spLocks noGrp="1"/>
+          </p:cNvSpPr>
+          <p:nvPr>
+            <p:ph idx="1"/>
+          </p:nvPr>
+        </p:nvSpPr>
+        <p:spPr>
+          <a:xfrm>
+            <a:off x="838200" y="1825625"/>
+            <a:ext cx="10515600" cy="4351338"/>
+          </a:xfrm>
+        </p:spPr>
+        <p:txBody>
+          <a:bodyPr/>
+          <a:lstStyle/>
+          <a:p>
+            <a:r>
+              <a:rPr lang="pt-BR" dirty="0" smtClean="0"/>
+              <a:t>Desenvolvido por Chris </a:t>
+            </a:r>
+            <a:r>
+              <a:rPr lang="pt-BR" dirty="0" err="1" smtClean="0"/>
+              <a:t>Watkins</a:t>
+            </a:r>
+            <a:r>
+              <a:rPr lang="pt-BR" dirty="0" smtClean="0"/>
+              <a:t>;</a:t>
+            </a:r>
+          </a:p>
+          <a:p>
+            <a:r>
+              <a:rPr lang="pt-BR" dirty="0" smtClean="0"/>
+              <a:t>Considerado </a:t>
+            </a:r>
+            <a:r>
+              <a:rPr lang="pt-BR" dirty="0"/>
+              <a:t>uma das mais </a:t>
+            </a:r>
+            <a:endParaRPr lang="pt-BR" dirty="0" smtClean="0"/>
+          </a:p>
+          <a:p>
+            <a:pPr marL="0" indent="0">
+              <a:buNone/>
+            </a:pPr>
+            <a:r>
+              <a:rPr lang="pt-BR" dirty="0"/>
+              <a:t> </a:t>
+            </a:r>
+            <a:r>
+              <a:rPr lang="pt-BR" dirty="0" smtClean="0"/>
+              <a:t>  importantes </a:t>
+            </a:r>
+            <a:r>
+              <a:rPr lang="pt-BR" dirty="0"/>
+              <a:t>contribuições </a:t>
+            </a:r>
+            <a:endParaRPr lang="pt-BR" dirty="0" smtClean="0"/>
+          </a:p>
+          <a:p>
+            <a:pPr marL="0" indent="0">
+              <a:buNone/>
+            </a:pPr>
+            <a:r>
+              <a:rPr lang="pt-BR" dirty="0" smtClean="0"/>
+              <a:t>   em </a:t>
+            </a:r>
+            <a:r>
+              <a:rPr lang="pt-BR" dirty="0"/>
+              <a:t>aprendizado por </a:t>
+            </a:r>
+            <a:r>
+              <a:rPr lang="pt-BR" dirty="0" smtClean="0"/>
+              <a:t>reforço;</a:t>
+            </a:r>
+            <a:endParaRPr lang="pt-BR" dirty="0"/>
+          </a:p>
+          <a:p>
+            <a:pPr marL="0" indent="0">
+              <a:buNone/>
+            </a:pPr>
+            <a:endParaRPr lang="pt-BR" dirty="0"/>
+          </a:p>
+        </p:txBody>
+      </p:sp>
+      <p:pic>
+        <p:nvPicPr>
+          <p:cNvPr id="1026" name="Picture 2" descr="C:\Users\kaic\Desktop\Chris Watkins.jpg"/>
+          <p:cNvPicPr>
+            <a:picLocks noChangeAspect="1" noChangeArrowheads="1"/>
+          </p:cNvPicPr>
+          <p:nvPr/>
+        </p:nvPicPr>
+        <p:blipFill>
+          <a:blip r:embed="rId2" cstate="print">
+            <a:extLst>
+              <a:ext uri="{28A0092B-C50C-407E-A947-70E740481C1C}">
+                <a14:useLocalDpi xmlns:a14="http://schemas.microsoft.com/office/drawing/2010/main" val="0"/>
+              </a:ext>
+            </a:extLst>
+          </a:blip>
+          <a:srcRect/>
+          <a:stretch>
+            <a:fillRect/>
+          </a:stretch>
+        </p:blipFill>
+        <p:spPr bwMode="auto">
+          <a:xfrm>
+            <a:off x="6809996" y="1282890"/>
+            <a:ext cx="3835258" cy="5113677"/>
+          </a:xfrm>
+          <a:prstGeom prst="rect">
+            <a:avLst/>
+          </a:prstGeom>
+          <a:noFill/>
+          <a:extLst>
+            <a:ext uri="{909E8E84-426E-40DD-AFC4-6F175D3DCCD1}">
+              <a14:hiddenFill xmlns:a14="http://schemas.microsoft.com/office/drawing/2010/main">
+                <a:solidFill>
+                  <a:srgbClr val="FFFFFF"/>
+                </a:solidFill>
+              </a14:hiddenFill>
+            </a:ext>
+          </a:extLst>
+        </p:spPr>
+      </p:pic>
+    </p:spTree>
+    <p:extLst>
+      <p:ext uri="{BB962C8B-B14F-4D97-AF65-F5344CB8AC3E}">
+        <p14:creationId xmlns:p14="http://schemas.microsoft.com/office/powerpoint/2010/main" val="1045289598"/>
+      </p:ext>
+    </p:extLst>
+  </p:cSld>
+  <p:clrMapOvr>
+    <a:masterClrMapping/>
+  </p:clrMapOvr>
+  <p:timing>
+    <p:tnLst>
+      <p:par>
+        <p:cTn id="1" dur="indefinite" restart="never" nodeType="tmRoot"/>
+      </p:par>
+    </p:tnLst>
+  </p:timing>
+</p:sld>
+</file>
+
+<file path=ppt/slides/slide6.xml><?xml version="1.0" encoding="utf-8"?>
+<p:sld xmlns:a="http://schemas.openxmlformats.org/drawingml/2006/main" xmlns:r="http://schemas.openxmlformats.org/officeDocument/2006/relationships" xmlns:p="http://schemas.openxmlformats.org/presentationml/2006/main">
+  <p:cSld>
+    <p:spTree>
+      <p:nvGrpSpPr>
+        <p:cNvPr id="1" name=""/>
+        <p:cNvGrpSpPr/>
+        <p:nvPr/>
+      </p:nvGrpSpPr>
+      <p:grpSpPr>
+        <a:xfrm>
+          <a:off x="0" y="0"/>
+          <a:ext cx="0" cy="0"/>
+          <a:chOff x="0" y="0"/>
+          <a:chExt cx="0" cy="0"/>
+        </a:xfrm>
+      </p:grpSpPr>
+      <p:sp>
+        <p:nvSpPr>
+          <p:cNvPr id="2" name="Título 1">
+            <a:extLst>
+              <a:ext uri="{FF2B5EF4-FFF2-40B4-BE49-F238E27FC236}">
+                <a16:creationId xmlns:a16="http://schemas.microsoft.com/office/drawing/2014/main" xmlns="" id="{9A880442-863D-4811-B58F-4A77F77154BE}"/>
+              </a:ext>
+            </a:extLst>
+          </p:cNvPr>
+          <p:cNvSpPr>
+            <a:spLocks noGrp="1"/>
+          </p:cNvSpPr>
+          <p:nvPr>
+            <p:ph type="title"/>
+          </p:nvPr>
+        </p:nvSpPr>
+        <p:spPr/>
+        <p:txBody>
+          <a:bodyPr/>
+          <a:lstStyle/>
+          <a:p>
+            <a:r>
+              <a:rPr lang="pt-BR" dirty="0"/>
+              <a:t>Algoritmo de Q-</a:t>
+            </a:r>
+            <a:r>
+              <a:rPr lang="pt-BR" dirty="0" err="1"/>
+              <a:t>learning</a:t>
+            </a:r>
+            <a:endParaRPr lang="pt-BR" dirty="0"/>
+          </a:p>
+        </p:txBody>
+      </p:sp>
+      <p:sp>
+        <p:nvSpPr>
+          <p:cNvPr id="3" name="Espaço Reservado para Conteúdo 2">
+            <a:extLst>
+              <a:ext uri="{FF2B5EF4-FFF2-40B4-BE49-F238E27FC236}">
+                <a16:creationId xmlns:a16="http://schemas.microsoft.com/office/drawing/2014/main" xmlns="" id="{1AF53ACB-04EA-4BBE-AA12-905DD8466B6C}"/>
+              </a:ext>
+            </a:extLst>
+          </p:cNvPr>
+          <p:cNvSpPr>
+            <a:spLocks noGrp="1"/>
+          </p:cNvSpPr>
+          <p:nvPr>
+            <p:ph idx="1"/>
+          </p:nvPr>
+        </p:nvSpPr>
+        <p:spPr/>
+        <p:txBody>
+          <a:bodyPr/>
+          <a:lstStyle/>
+          <a:p>
+            <a:r>
+              <a:rPr lang="pt-BR" dirty="0" smtClean="0"/>
+              <a:t>A </a:t>
+            </a:r>
+            <a:r>
+              <a:rPr lang="pt-BR" dirty="0"/>
+              <a:t>função ação-valor Q se aproxima diretamente a função ação-valor ótima, através de atualizações dos pares estado-ação, que são feitas à medida que estes pares são visitados.</a:t>
+            </a:r>
+          </a:p>
+          <a:p>
+            <a:endParaRPr lang="pt-BR" dirty="0"/>
+          </a:p>
+        </p:txBody>
+      </p:sp>
+      <p:pic>
+        <p:nvPicPr>
+          <p:cNvPr id="4" name="Imagem 3" descr="C:\Users\Edna\AppData\Local\Microsoft\Windows\INetCache\Content.Word\ss.png">
+            <a:extLst>
+              <a:ext uri="{FF2B5EF4-FFF2-40B4-BE49-F238E27FC236}">
+                <a16:creationId xmlns:a16="http://schemas.microsoft.com/office/drawing/2014/main" xmlns="" id="{C6C05EC4-F4DA-472C-AA49-7F38C2AC3DE7}"/>
+              </a:ext>
+            </a:extLst>
+          </p:cNvPr>
+          <p:cNvPicPr/>
+          <p:nvPr/>
+        </p:nvPicPr>
+        <p:blipFill>
+          <a:blip r:embed="rId2">
+            <a:extLst>
+              <a:ext uri="{28A0092B-C50C-407E-A947-70E740481C1C}">
+                <a14:useLocalDpi xmlns:a14="http://schemas.microsoft.com/office/drawing/2010/main" val="0"/>
+              </a:ext>
+            </a:extLst>
+          </a:blip>
+          <a:srcRect/>
+          <a:stretch>
+            <a:fillRect/>
+          </a:stretch>
+        </p:blipFill>
+        <p:spPr bwMode="auto">
+          <a:xfrm>
+            <a:off x="2468880" y="3593348"/>
+            <a:ext cx="7292340" cy="1859280"/>
+          </a:xfrm>
+          <a:prstGeom prst="rect">
+            <a:avLst/>
+          </a:prstGeom>
+          <a:noFill/>
+          <a:ln>
+            <a:noFill/>
+          </a:ln>
+        </p:spPr>
+      </p:pic>
+    </p:spTree>
+    <p:extLst>
+      <p:ext uri="{BB962C8B-B14F-4D97-AF65-F5344CB8AC3E}">
+        <p14:creationId xmlns:p14="http://schemas.microsoft.com/office/powerpoint/2010/main" val="2513025840"/>
+      </p:ext>
+    </p:extLst>
+  </p:cSld>
+  <p:clrMapOvr>
+    <a:masterClrMapping/>
+  </p:clrMapOvr>
+  <p:timing>
+    <p:tnLst>
+      <p:par>
+        <p:cTn id="1" dur="indefinite" restart="never" nodeType="tmRoot"/>
+      </p:par>
+    </p:tnLst>
+  </p:timing>
+</p:sld>
+</file>
+
+<file path=ppt/slides/slide7.xml><?xml version="1.0" encoding="utf-8"?>
+<p:sld xmlns:a="http://schemas.openxmlformats.org/drawingml/2006/main" xmlns:r="http://schemas.openxmlformats.org/officeDocument/2006/relationships" xmlns:p="http://schemas.openxmlformats.org/presentationml/2006/main">
+  <p:cSld>
+    <p:spTree>
+      <p:nvGrpSpPr>
+        <p:cNvPr id="1" name=""/>
+        <p:cNvGrpSpPr/>
+        <p:nvPr/>
+      </p:nvGrpSpPr>
+      <p:grpSpPr>
+        <a:xfrm>
+          <a:off x="0" y="0"/>
+          <a:ext cx="0" cy="0"/>
+          <a:chOff x="0" y="0"/>
+          <a:chExt cx="0" cy="0"/>
+        </a:xfrm>
+      </p:grpSpPr>
+      <p:sp>
+        <p:nvSpPr>
+          <p:cNvPr id="2" name="Título 1">
+            <a:extLst>
+              <a:ext uri="{FF2B5EF4-FFF2-40B4-BE49-F238E27FC236}">
+                <a16:creationId xmlns:a16="http://schemas.microsoft.com/office/drawing/2014/main" xmlns="" id="{AF9402AE-DD12-4F94-BDEC-290DD0A582F0}"/>
+              </a:ext>
+            </a:extLst>
+          </p:cNvPr>
+          <p:cNvSpPr>
+            <a:spLocks noGrp="1"/>
+          </p:cNvSpPr>
+          <p:nvPr>
+            <p:ph type="title"/>
+          </p:nvPr>
+        </p:nvSpPr>
+        <p:spPr/>
+        <p:txBody>
+          <a:bodyPr/>
+          <a:lstStyle/>
+          <a:p>
+            <a:r>
+              <a:rPr lang="pt-BR" dirty="0"/>
+              <a:t>Planta do Shopping</a:t>
+            </a:r>
+          </a:p>
+        </p:txBody>
+      </p:sp>
+      <p:sp>
+        <p:nvSpPr>
+          <p:cNvPr id="3" name="Espaço Reservado para Conteúdo 2">
+            <a:extLst>
+              <a:ext uri="{FF2B5EF4-FFF2-40B4-BE49-F238E27FC236}">
+                <a16:creationId xmlns:a16="http://schemas.microsoft.com/office/drawing/2014/main" xmlns="" id="{15D90B6C-EF08-4E69-BD7E-6F17406152CC}"/>
+              </a:ext>
+            </a:extLst>
+          </p:cNvPr>
+          <p:cNvSpPr>
+            <a:spLocks noGrp="1"/>
+          </p:cNvSpPr>
+          <p:nvPr>
+            <p:ph idx="1"/>
+          </p:nvPr>
+        </p:nvSpPr>
+        <p:spPr/>
+        <p:txBody>
+          <a:bodyPr/>
+          <a:lstStyle/>
+          <a:p>
+            <a:endParaRPr lang="pt-BR" dirty="0"/>
+          </a:p>
+        </p:txBody>
+      </p:sp>
+    </p:spTree>
+    <p:extLst>
+      <p:ext uri="{BB962C8B-B14F-4D97-AF65-F5344CB8AC3E}">
+        <p14:creationId xmlns:p14="http://schemas.microsoft.com/office/powerpoint/2010/main" val="1080214811"/>
+      </p:ext>
+    </p:extLst>
+  </p:cSld>
+  <p:clrMapOvr>
+    <a:masterClrMapping/>
+  </p:clrMapOvr>
+  <p:timing>
+    <p:tnLst>
+      <p:par>
+        <p:cTn id="1" dur="indefinite" restart="never" nodeType="tmRoot"/>
+      </p:par>
+    </p:tnLst>
+  </p:timing>
+</p:sld>
+</file>
+
+<file path=ppt/slides/slide8.xml><?xml version="1.0" encoding="utf-8"?>
+<p:sld xmlns:a="http://schemas.openxmlformats.org/drawingml/2006/main" xmlns:r="http://schemas.openxmlformats.org/officeDocument/2006/relationships" xmlns:p="http://schemas.openxmlformats.org/presentationml/2006/main">
+  <p:cSld>
+    <p:spTree>
+      <p:nvGrpSpPr>
+        <p:cNvPr id="1" name=""/>
+        <p:cNvGrpSpPr/>
+        <p:nvPr/>
+      </p:nvGrpSpPr>
+      <p:grpSpPr>
+        <a:xfrm>
+          <a:off x="0" y="0"/>
+          <a:ext cx="0" cy="0"/>
+          <a:chOff x="0" y="0"/>
+          <a:chExt cx="0" cy="0"/>
+        </a:xfrm>
+      </p:grpSpPr>
+      <p:sp>
+        <p:nvSpPr>
+          <p:cNvPr id="2" name="Título 1">
+            <a:extLst>
+              <a:ext uri="{FF2B5EF4-FFF2-40B4-BE49-F238E27FC236}">
+                <a16:creationId xmlns:a16="http://schemas.microsoft.com/office/drawing/2014/main" xmlns="" id="{9FF2835C-740D-4FDA-9631-1AAD6CC47385}"/>
+              </a:ext>
+            </a:extLst>
+          </p:cNvPr>
+          <p:cNvSpPr>
+            <a:spLocks noGrp="1"/>
+          </p:cNvSpPr>
+          <p:nvPr>
+            <p:ph type="title"/>
+          </p:nvPr>
+        </p:nvSpPr>
+        <p:spPr/>
+        <p:txBody>
+          <a:bodyPr/>
+          <a:lstStyle/>
+          <a:p>
+            <a:r>
+              <a:rPr lang="pt-BR" dirty="0"/>
+              <a:t>Código</a:t>
+            </a:r>
+          </a:p>
+        </p:txBody>
+      </p:sp>
+      <p:pic>
+        <p:nvPicPr>
+          <p:cNvPr id="5" name="Espaço Reservado para Conteúdo 4">
+            <a:extLst>
+              <a:ext uri="{FF2B5EF4-FFF2-40B4-BE49-F238E27FC236}">
+                <a16:creationId xmlns:a16="http://schemas.microsoft.com/office/drawing/2014/main" xmlns="" id="{CA607FBC-CA02-4254-965D-78B386224EA0}"/>
+              </a:ext>
+            </a:extLst>
+          </p:cNvPr>
+          <p:cNvPicPr>
+            <a:picLocks noGrp="1" noChangeAspect="1"/>
+          </p:cNvPicPr>
+          <p:nvPr>
+            <p:ph idx="1"/>
+          </p:nvPr>
+        </p:nvPicPr>
+        <p:blipFill>
+          <a:blip r:embed="rId2">
+            <a:extLst>
+              <a:ext uri="{28A0092B-C50C-407E-A947-70E740481C1C}">
+                <a14:useLocalDpi xmlns:a14="http://schemas.microsoft.com/office/drawing/2010/main" val="0"/>
+              </a:ext>
+            </a:extLst>
+          </a:blip>
+          <a:stretch>
+            <a:fillRect/>
+          </a:stretch>
+        </p:blipFill>
+        <p:spPr>
+          <a:xfrm>
+            <a:off x="3737112" y="365126"/>
+            <a:ext cx="6453809" cy="5811838"/>
+          </a:xfrm>
+        </p:spPr>
+      </p:pic>
+    </p:spTree>
+    <p:extLst>
+      <p:ext uri="{BB962C8B-B14F-4D97-AF65-F5344CB8AC3E}">
+        <p14:creationId xmlns:p14="http://schemas.microsoft.com/office/powerpoint/2010/main" val="187614389"/>
+      </p:ext>
+    </p:extLst>
+  </p:cSld>
+  <p:clrMapOvr>
+    <a:masterClrMapping/>
+  </p:clrMapOvr>
+  <p:timing>
+    <p:tnLst>
+      <p:par>
+        <p:cTn id="1" dur="indefinite" restart="never" nodeType="tmRoot"/>
+      </p:par>
+    </p:tnLst>
+  </p:timing>
+</p:sld>
+</file>
+
+<file path=ppt/slides/slide9.xml><?xml version="1.0" encoding="utf-8"?>
+<p:sld xmlns:a="http://schemas.openxmlformats.org/drawingml/2006/main" xmlns:r="http://schemas.openxmlformats.org/officeDocument/2006/relationships" xmlns:p="http://schemas.openxmlformats.org/presentationml/2006/main">
+  <p:cSld>
+    <p:spTree>
+      <p:nvGrpSpPr>
+        <p:cNvPr id="1" name=""/>
+        <p:cNvGrpSpPr/>
+        <p:nvPr/>
+      </p:nvGrpSpPr>
+      <p:grpSpPr>
+        <a:xfrm>
+          <a:off x="0" y="0"/>
+          <a:ext cx="0" cy="0"/>
+          <a:chOff x="0" y="0"/>
+          <a:chExt cx="0" cy="0"/>
+        </a:xfrm>
+      </p:grpSpPr>
+      <p:sp>
+        <p:nvSpPr>
+          <p:cNvPr id="2" name="Título 1">
+            <a:extLst>
+              <a:ext uri="{FF2B5EF4-FFF2-40B4-BE49-F238E27FC236}">
+                <a16:creationId xmlns:a16="http://schemas.microsoft.com/office/drawing/2014/main" xmlns="" id="{8EB4F9E6-B4BA-40DF-92D8-83077FE12E24}"/>
+              </a:ext>
+            </a:extLst>
+          </p:cNvPr>
+          <p:cNvSpPr>
+            <a:spLocks noGrp="1"/>
+          </p:cNvSpPr>
+          <p:nvPr>
+            <p:ph type="title"/>
+          </p:nvPr>
+        </p:nvSpPr>
+        <p:spPr/>
+        <p:txBody>
+          <a:bodyPr/>
+          <a:lstStyle/>
+          <a:p>
+            <a:pPr algn="ctr"/>
+            <a:r>
+              <a:rPr lang="pt-BR" dirty="0"/>
+              <a:t>Conclusão</a:t>
+            </a:r>
+          </a:p>
+        </p:txBody>
+      </p:sp>
+      <p:sp>
+        <p:nvSpPr>
+          <p:cNvPr id="3" name="Espaço Reservado para Conteúdo 2">
+            <a:extLst>
+              <a:ext uri="{FF2B5EF4-FFF2-40B4-BE49-F238E27FC236}">
+                <a16:creationId xmlns:a16="http://schemas.microsoft.com/office/drawing/2014/main" xmlns="" id="{FC41D424-282D-465B-B414-7253C249A069}"/>
+              </a:ext>
+            </a:extLst>
+          </p:cNvPr>
+          <p:cNvSpPr>
+            <a:spLocks noGrp="1"/>
+          </p:cNvSpPr>
+          <p:nvPr>
+            <p:ph idx="1"/>
+          </p:nvPr>
+        </p:nvSpPr>
+        <p:spPr/>
+        <p:txBody>
+          <a:bodyPr/>
+          <a:lstStyle/>
+          <a:p>
+            <a:endParaRPr lang="pt-BR"/>
+          </a:p>
+        </p:txBody>
+      </p:sp>
+    </p:spTree>
+    <p:extLst>
+      <p:ext uri="{BB962C8B-B14F-4D97-AF65-F5344CB8AC3E}">
+        <p14:creationId xmlns:p14="http://schemas.microsoft.com/office/powerpoint/2010/main" val="3085091533"/>
+      </p:ext>
+    </p:extLst>
+  </p:cSld>
+  <p:clrMapOvr>
+    <a:masterClrMapping/>
+  </p:clrMapOvr>
+  <p:timing>
+    <p:tnLst>
+      <p:par>
+        <p:cTn id="1" dur="indefinite" restart="never" nodeType="tmRoot"/>
+      </p:par>
+    </p:tnLst>
+  </p:timing>
 </p:sld>
 </file>
 
@@ -4573,7 +4898,7 @@
   <a:extraClrSchemeLst/>
   <a:extLst>
     <a:ext uri="{05A4C25C-085E-4340-85A3-A5531E510DB2}">
-      <thm15:themeFamily xmlns:thm15="http://schemas.microsoft.com/office/thememl/2012/main" name="Office Theme" id="{62F939B6-93AF-4DB8-9C6B-D6C7DFDC589F}" vid="{4A3C46E8-61CC-4603-A589-7422A47A8E4A}"/>
+      <thm15:themeFamily xmlns:thm15="http://schemas.microsoft.com/office/thememl/2012/main" xmlns="" name="Office Theme" id="{62F939B6-93AF-4DB8-9C6B-D6C7DFDC589F}" vid="{4A3C46E8-61CC-4603-A589-7422A47A8E4A}"/>
     </a:ext>
   </a:extLst>
 </a:theme>
